--- a/Docs/Dev_Guide.pptx
+++ b/Docs/Dev_Guide.pptx
@@ -6934,11 +6934,18 @@
               <a:t>이 때 </a:t>
             </a:r>
             <a:r>
+              <a:rPr lang="en-US" altLang="ko-KR" sz="1400">
+                <a:latin typeface="나눔바른고딕" panose="020B0603020101020101" pitchFamily="50" charset="-127"/>
+                <a:ea typeface="나눔바른고딕" panose="020B0603020101020101" pitchFamily="50" charset="-127"/>
+              </a:rPr>
+              <a:t>seeds.</a:t>
+            </a:r>
+            <a:r>
               <a:rPr lang="en-US" altLang="ko-KR" sz="1400" dirty="0" err="1">
                 <a:latin typeface="나눔바른고딕" panose="020B0603020101020101" pitchFamily="50" charset="-127"/>
                 <a:ea typeface="나눔바른고딕" panose="020B0603020101020101" pitchFamily="50" charset="-127"/>
               </a:rPr>
-              <a:t>seed.rb</a:t>
+              <a:t>rb</a:t>
             </a:r>
             <a:r>
               <a:rPr lang="ko-KR" altLang="en-US" sz="1400" dirty="0">

--- a/Docs/Dev_Guide.pptx
+++ b/Docs/Dev_Guide.pptx
@@ -9,7 +9,10 @@
     <p:sldId id="257" r:id="rId3"/>
     <p:sldId id="259" r:id="rId4"/>
     <p:sldId id="260" r:id="rId5"/>
-    <p:sldId id="258" r:id="rId6"/>
+    <p:sldId id="261" r:id="rId6"/>
+    <p:sldId id="258" r:id="rId7"/>
+    <p:sldId id="262" r:id="rId8"/>
+    <p:sldId id="263" r:id="rId9"/>
   </p:sldIdLst>
   <p:sldSz cx="12192000" cy="6858000"/>
   <p:notesSz cx="6858000" cy="9144000"/>
@@ -912,7 +915,7 @@
           <a:p>
             <a:fld id="{64A83A75-31F0-44BD-96A9-C410E7FB9017}" type="datetimeFigureOut">
               <a:rPr lang="ko-KR" altLang="en-US" smtClean="0"/>
-              <a:t>2018-11-12</a:t>
+              <a:t>2018-11-24</a:t>
             </a:fld>
             <a:endParaRPr lang="ko-KR" altLang="en-US"/>
           </a:p>
@@ -1110,7 +1113,7 @@
           <a:p>
             <a:fld id="{64A83A75-31F0-44BD-96A9-C410E7FB9017}" type="datetimeFigureOut">
               <a:rPr lang="ko-KR" altLang="en-US" smtClean="0"/>
-              <a:t>2018-11-12</a:t>
+              <a:t>2018-11-24</a:t>
             </a:fld>
             <a:endParaRPr lang="ko-KR" altLang="en-US"/>
           </a:p>
@@ -1318,7 +1321,7 @@
           <a:p>
             <a:fld id="{64A83A75-31F0-44BD-96A9-C410E7FB9017}" type="datetimeFigureOut">
               <a:rPr lang="ko-KR" altLang="en-US" smtClean="0"/>
-              <a:t>2018-11-12</a:t>
+              <a:t>2018-11-24</a:t>
             </a:fld>
             <a:endParaRPr lang="ko-KR" altLang="en-US"/>
           </a:p>
@@ -1516,7 +1519,7 @@
           <a:p>
             <a:fld id="{64A83A75-31F0-44BD-96A9-C410E7FB9017}" type="datetimeFigureOut">
               <a:rPr lang="ko-KR" altLang="en-US" smtClean="0"/>
-              <a:t>2018-11-12</a:t>
+              <a:t>2018-11-24</a:t>
             </a:fld>
             <a:endParaRPr lang="ko-KR" altLang="en-US"/>
           </a:p>
@@ -1791,7 +1794,7 @@
           <a:p>
             <a:fld id="{64A83A75-31F0-44BD-96A9-C410E7FB9017}" type="datetimeFigureOut">
               <a:rPr lang="ko-KR" altLang="en-US" smtClean="0"/>
-              <a:t>2018-11-12</a:t>
+              <a:t>2018-11-24</a:t>
             </a:fld>
             <a:endParaRPr lang="ko-KR" altLang="en-US"/>
           </a:p>
@@ -2056,7 +2059,7 @@
           <a:p>
             <a:fld id="{64A83A75-31F0-44BD-96A9-C410E7FB9017}" type="datetimeFigureOut">
               <a:rPr lang="ko-KR" altLang="en-US" smtClean="0"/>
-              <a:t>2018-11-12</a:t>
+              <a:t>2018-11-24</a:t>
             </a:fld>
             <a:endParaRPr lang="ko-KR" altLang="en-US"/>
           </a:p>
@@ -2468,7 +2471,7 @@
           <a:p>
             <a:fld id="{64A83A75-31F0-44BD-96A9-C410E7FB9017}" type="datetimeFigureOut">
               <a:rPr lang="ko-KR" altLang="en-US" smtClean="0"/>
-              <a:t>2018-11-12</a:t>
+              <a:t>2018-11-24</a:t>
             </a:fld>
             <a:endParaRPr lang="ko-KR" altLang="en-US"/>
           </a:p>
@@ -2609,7 +2612,7 @@
           <a:p>
             <a:fld id="{64A83A75-31F0-44BD-96A9-C410E7FB9017}" type="datetimeFigureOut">
               <a:rPr lang="ko-KR" altLang="en-US" smtClean="0"/>
-              <a:t>2018-11-12</a:t>
+              <a:t>2018-11-24</a:t>
             </a:fld>
             <a:endParaRPr lang="ko-KR" altLang="en-US"/>
           </a:p>
@@ -2722,7 +2725,7 @@
           <a:p>
             <a:fld id="{64A83A75-31F0-44BD-96A9-C410E7FB9017}" type="datetimeFigureOut">
               <a:rPr lang="ko-KR" altLang="en-US" smtClean="0"/>
-              <a:t>2018-11-12</a:t>
+              <a:t>2018-11-24</a:t>
             </a:fld>
             <a:endParaRPr lang="ko-KR" altLang="en-US"/>
           </a:p>
@@ -3033,7 +3036,7 @@
           <a:p>
             <a:fld id="{64A83A75-31F0-44BD-96A9-C410E7FB9017}" type="datetimeFigureOut">
               <a:rPr lang="ko-KR" altLang="en-US" smtClean="0"/>
-              <a:t>2018-11-12</a:t>
+              <a:t>2018-11-24</a:t>
             </a:fld>
             <a:endParaRPr lang="ko-KR" altLang="en-US"/>
           </a:p>
@@ -3321,7 +3324,7 @@
           <a:p>
             <a:fld id="{64A83A75-31F0-44BD-96A9-C410E7FB9017}" type="datetimeFigureOut">
               <a:rPr lang="ko-KR" altLang="en-US" smtClean="0"/>
-              <a:t>2018-11-12</a:t>
+              <a:t>2018-11-24</a:t>
             </a:fld>
             <a:endParaRPr lang="ko-KR" altLang="en-US"/>
           </a:p>
@@ -3562,7 +3565,7 @@
           <a:p>
             <a:fld id="{64A83A75-31F0-44BD-96A9-C410E7FB9017}" type="datetimeFigureOut">
               <a:rPr lang="ko-KR" altLang="en-US" smtClean="0"/>
-              <a:t>2018-11-12</a:t>
+              <a:t>2018-11-24</a:t>
             </a:fld>
             <a:endParaRPr lang="ko-KR" altLang="en-US"/>
           </a:p>
@@ -5951,7 +5954,7 @@
         </p:nvSpPr>
         <p:spPr>
           <a:xfrm>
-            <a:off x="1013253" y="4549581"/>
+            <a:off x="1013253" y="5101521"/>
             <a:ext cx="8402596" cy="919011"/>
           </a:xfrm>
           <a:prstGeom prst="rect">
@@ -6003,7 +6006,7 @@
         </p:nvSpPr>
         <p:spPr>
           <a:xfrm>
-            <a:off x="1013253" y="3833841"/>
+            <a:off x="1013253" y="4385781"/>
             <a:ext cx="6911547" cy="289164"/>
           </a:xfrm>
           <a:prstGeom prst="rect">
@@ -6055,8 +6058,8 @@
         </p:nvSpPr>
         <p:spPr>
           <a:xfrm>
-            <a:off x="1013253" y="2955560"/>
-            <a:ext cx="5255741" cy="456963"/>
+            <a:off x="1013253" y="2477766"/>
+            <a:ext cx="2042985" cy="456963"/>
           </a:xfrm>
           <a:prstGeom prst="rect">
             <a:avLst/>
@@ -6107,7 +6110,7 @@
         </p:nvSpPr>
         <p:spPr>
           <a:xfrm>
-            <a:off x="1013254" y="2265406"/>
+            <a:off x="1013254" y="1787612"/>
             <a:ext cx="2042984" cy="214184"/>
           </a:xfrm>
           <a:prstGeom prst="rect">
@@ -6201,7 +6204,7 @@
         </p:nvSpPr>
         <p:spPr>
           <a:xfrm>
-            <a:off x="688931" y="2018778"/>
+            <a:off x="688931" y="1540984"/>
             <a:ext cx="9782828" cy="523220"/>
           </a:xfrm>
           <a:prstGeom prst="rect">
@@ -6281,10 +6284,10 @@
       </p:sp>
       <p:sp>
         <p:nvSpPr>
-          <p:cNvPr id="10" name="TextBox 9">
-            <a:extLst>
-              <a:ext uri="{FF2B5EF4-FFF2-40B4-BE49-F238E27FC236}">
-                <a16:creationId xmlns:a16="http://schemas.microsoft.com/office/drawing/2014/main" id="{256C5E5C-281B-4C61-AFAD-04B2C59DDF79}"/>
+          <p:cNvPr id="11" name="TextBox 10">
+            <a:extLst>
+              <a:ext uri="{FF2B5EF4-FFF2-40B4-BE49-F238E27FC236}">
+                <a16:creationId xmlns:a16="http://schemas.microsoft.com/office/drawing/2014/main" id="{39708FF4-DBEE-4A9D-8227-4C3391529988}"/>
               </a:ext>
             </a:extLst>
           </p:cNvPr>
@@ -6293,7 +6296,456 @@
         </p:nvSpPr>
         <p:spPr>
           <a:xfrm>
-            <a:off x="688931" y="2709797"/>
+            <a:off x="688931" y="4168200"/>
+            <a:ext cx="9782828" cy="523220"/>
+          </a:xfrm>
+          <a:prstGeom prst="rect">
+            <a:avLst/>
+          </a:prstGeom>
+          <a:noFill/>
+        </p:spPr>
+        <p:txBody>
+          <a:bodyPr wrap="square" rtlCol="0">
+            <a:spAutoFit/>
+          </a:bodyPr>
+          <a:lstStyle/>
+          <a:p>
+            <a:pPr marL="342900" indent="-342900">
+              <a:buAutoNum type="arabicPeriod" startAt="3"/>
+            </a:pPr>
+            <a:r>
+              <a:rPr lang="ko-KR" altLang="en-US" sz="1400" dirty="0">
+                <a:latin typeface="나눔바른고딕" panose="020B0603020101020101" pitchFamily="50" charset="-127"/>
+                <a:ea typeface="나눔바른고딕" panose="020B0603020101020101" pitchFamily="50" charset="-127"/>
+              </a:rPr>
+              <a:t>파일을 수정</a:t>
+            </a:r>
+            <a:r>
+              <a:rPr lang="en-US" altLang="ko-KR" sz="1400" dirty="0">
+                <a:latin typeface="나눔바른고딕" panose="020B0603020101020101" pitchFamily="50" charset="-127"/>
+                <a:ea typeface="나눔바른고딕" panose="020B0603020101020101" pitchFamily="50" charset="-127"/>
+              </a:rPr>
+              <a:t>/</a:t>
+            </a:r>
+            <a:r>
+              <a:rPr lang="ko-KR" altLang="en-US" sz="1400" dirty="0">
+                <a:latin typeface="나눔바른고딕" panose="020B0603020101020101" pitchFamily="50" charset="-127"/>
+                <a:ea typeface="나눔바른고딕" panose="020B0603020101020101" pitchFamily="50" charset="-127"/>
+              </a:rPr>
+              <a:t>업데이트한다</a:t>
+            </a:r>
+            <a:r>
+              <a:rPr lang="en-US" altLang="ko-KR" sz="1400" dirty="0">
+                <a:latin typeface="나눔바른고딕" panose="020B0603020101020101" pitchFamily="50" charset="-127"/>
+                <a:ea typeface="나눔바른고딕" panose="020B0603020101020101" pitchFamily="50" charset="-127"/>
+              </a:rPr>
+              <a:t>!</a:t>
+            </a:r>
+          </a:p>
+          <a:p>
+            <a:r>
+              <a:rPr lang="en-US" altLang="ko-KR" sz="1400" dirty="0">
+                <a:latin typeface="나눔바른고딕" panose="020B0603020101020101" pitchFamily="50" charset="-127"/>
+                <a:ea typeface="나눔바른고딕" panose="020B0603020101020101" pitchFamily="50" charset="-127"/>
+              </a:rPr>
+              <a:t>        </a:t>
+            </a:r>
+            <a:r>
+              <a:rPr lang="ko-KR" altLang="en-US" sz="1400" dirty="0">
+                <a:latin typeface="나눔바른고딕" panose="020B0603020101020101" pitchFamily="50" charset="-127"/>
+                <a:ea typeface="나눔바른고딕" panose="020B0603020101020101" pitchFamily="50" charset="-127"/>
+              </a:rPr>
+              <a:t>이 때</a:t>
+            </a:r>
+            <a:r>
+              <a:rPr lang="en-US" altLang="ko-KR" sz="1400" dirty="0">
+                <a:latin typeface="나눔바른고딕" panose="020B0603020101020101" pitchFamily="50" charset="-127"/>
+                <a:ea typeface="나눔바른고딕" panose="020B0603020101020101" pitchFamily="50" charset="-127"/>
+              </a:rPr>
+              <a:t>, </a:t>
+            </a:r>
+            <a:r>
+              <a:rPr lang="ko-KR" altLang="en-US" sz="1400" dirty="0">
+                <a:latin typeface="나눔바른고딕" panose="020B0603020101020101" pitchFamily="50" charset="-127"/>
+                <a:ea typeface="나눔바른고딕" panose="020B0603020101020101" pitchFamily="50" charset="-127"/>
+              </a:rPr>
+              <a:t>실제 파일 다운로드는 </a:t>
+            </a:r>
+            <a:r>
+              <a:rPr lang="en-US" altLang="ko-KR" sz="1400" dirty="0">
+                <a:latin typeface="나눔바른고딕" panose="020B0603020101020101" pitchFamily="50" charset="-127"/>
+                <a:ea typeface="나눔바른고딕" panose="020B0603020101020101" pitchFamily="50" charset="-127"/>
+              </a:rPr>
+              <a:t>/*local folder path*/ </a:t>
+            </a:r>
+            <a:r>
+              <a:rPr lang="ko-KR" altLang="en-US" sz="1400" dirty="0">
+                <a:latin typeface="나눔바른고딕" panose="020B0603020101020101" pitchFamily="50" charset="-127"/>
+                <a:ea typeface="나눔바른고딕" panose="020B0603020101020101" pitchFamily="50" charset="-127"/>
+              </a:rPr>
+              <a:t>안에 </a:t>
+            </a:r>
+            <a:r>
+              <a:rPr lang="en-US" altLang="ko-KR" sz="1400" dirty="0">
+                <a:latin typeface="나눔바른고딕" panose="020B0603020101020101" pitchFamily="50" charset="-127"/>
+                <a:ea typeface="나눔바른고딕" panose="020B0603020101020101" pitchFamily="50" charset="-127"/>
+              </a:rPr>
+              <a:t>barogagi1gibateam </a:t>
+            </a:r>
+            <a:r>
+              <a:rPr lang="ko-KR" altLang="en-US" sz="1400" dirty="0">
+                <a:latin typeface="나눔바른고딕" panose="020B0603020101020101" pitchFamily="50" charset="-127"/>
+                <a:ea typeface="나눔바른고딕" panose="020B0603020101020101" pitchFamily="50" charset="-127"/>
+              </a:rPr>
+              <a:t>이름으로 완료됨</a:t>
+            </a:r>
+            <a:endParaRPr lang="en-US" altLang="ko-KR" sz="1400" dirty="0">
+              <a:latin typeface="나눔바른고딕" panose="020B0603020101020101" pitchFamily="50" charset="-127"/>
+              <a:ea typeface="나눔바른고딕" panose="020B0603020101020101" pitchFamily="50" charset="-127"/>
+            </a:endParaRPr>
+          </a:p>
+        </p:txBody>
+      </p:sp>
+      <p:sp>
+        <p:nvSpPr>
+          <p:cNvPr id="12" name="TextBox 11">
+            <a:extLst>
+              <a:ext uri="{FF2B5EF4-FFF2-40B4-BE49-F238E27FC236}">
+                <a16:creationId xmlns:a16="http://schemas.microsoft.com/office/drawing/2014/main" id="{32B1C407-FFB2-4DBD-A073-DD493FB463A9}"/>
+              </a:ext>
+            </a:extLst>
+          </p:cNvPr>
+          <p:cNvSpPr txBox="1"/>
+          <p:nvPr/>
+        </p:nvSpPr>
+        <p:spPr>
+          <a:xfrm>
+            <a:off x="688931" y="4867457"/>
+            <a:ext cx="9782828" cy="1169551"/>
+          </a:xfrm>
+          <a:prstGeom prst="rect">
+            <a:avLst/>
+          </a:prstGeom>
+          <a:noFill/>
+        </p:spPr>
+        <p:txBody>
+          <a:bodyPr wrap="square" rtlCol="0">
+            <a:spAutoFit/>
+          </a:bodyPr>
+          <a:lstStyle/>
+          <a:p>
+            <a:pPr marL="342900" indent="-342900">
+              <a:buAutoNum type="arabicPeriod" startAt="4"/>
+            </a:pPr>
+            <a:r>
+              <a:rPr lang="ko-KR" altLang="en-US" sz="1400" dirty="0">
+                <a:latin typeface="나눔바른고딕" panose="020B0603020101020101" pitchFamily="50" charset="-127"/>
+                <a:ea typeface="나눔바른고딕" panose="020B0603020101020101" pitchFamily="50" charset="-127"/>
+              </a:rPr>
+              <a:t>파일 수정을 완료한 후 </a:t>
+            </a:r>
+            <a:r>
+              <a:rPr lang="en-US" altLang="ko-KR" sz="1400" dirty="0">
+                <a:latin typeface="나눔바른고딕" panose="020B0603020101020101" pitchFamily="50" charset="-127"/>
+                <a:ea typeface="나눔바른고딕" panose="020B0603020101020101" pitchFamily="50" charset="-127"/>
+              </a:rPr>
+              <a:t>git hub</a:t>
+            </a:r>
+            <a:r>
+              <a:rPr lang="ko-KR" altLang="en-US" sz="1400" dirty="0">
+                <a:latin typeface="나눔바른고딕" panose="020B0603020101020101" pitchFamily="50" charset="-127"/>
+                <a:ea typeface="나눔바른고딕" panose="020B0603020101020101" pitchFamily="50" charset="-127"/>
+              </a:rPr>
+              <a:t>에 </a:t>
+            </a:r>
+            <a:r>
+              <a:rPr lang="en-US" altLang="ko-KR" sz="1400" dirty="0">
+                <a:latin typeface="나눔바른고딕" panose="020B0603020101020101" pitchFamily="50" charset="-127"/>
+                <a:ea typeface="나눔바른고딕" panose="020B0603020101020101" pitchFamily="50" charset="-127"/>
+              </a:rPr>
+              <a:t>push</a:t>
+            </a:r>
+            <a:r>
+              <a:rPr lang="ko-KR" altLang="en-US" sz="1400" dirty="0">
+                <a:latin typeface="나눔바른고딕" panose="020B0603020101020101" pitchFamily="50" charset="-127"/>
+                <a:ea typeface="나눔바른고딕" panose="020B0603020101020101" pitchFamily="50" charset="-127"/>
+              </a:rPr>
+              <a:t>한다</a:t>
+            </a:r>
+            <a:r>
+              <a:rPr lang="en-US" altLang="ko-KR" sz="1400" dirty="0">
+                <a:latin typeface="나눔바른고딕" panose="020B0603020101020101" pitchFamily="50" charset="-127"/>
+                <a:ea typeface="나눔바른고딕" panose="020B0603020101020101" pitchFamily="50" charset="-127"/>
+              </a:rPr>
+              <a:t>.</a:t>
+            </a:r>
+          </a:p>
+          <a:p>
+            <a:r>
+              <a:rPr lang="en-US" altLang="ko-KR" sz="1400" dirty="0">
+                <a:latin typeface="나눔바른고딕" panose="020B0603020101020101" pitchFamily="50" charset="-127"/>
+                <a:ea typeface="나눔바른고딕" panose="020B0603020101020101" pitchFamily="50" charset="-127"/>
+              </a:rPr>
+              <a:t>         /*local folder path*/barogagi1gibateam </a:t>
+            </a:r>
+            <a:r>
+              <a:rPr lang="ko-KR" altLang="en-US" sz="1400" dirty="0">
+                <a:latin typeface="나눔바른고딕" panose="020B0603020101020101" pitchFamily="50" charset="-127"/>
+                <a:ea typeface="나눔바른고딕" panose="020B0603020101020101" pitchFamily="50" charset="-127"/>
+              </a:rPr>
+              <a:t>위치에서 </a:t>
+            </a:r>
+            <a:r>
+              <a:rPr lang="en-US" altLang="ko-KR" sz="1400" dirty="0">
+                <a:latin typeface="나눔바른고딕" panose="020B0603020101020101" pitchFamily="50" charset="-127"/>
+                <a:ea typeface="나눔바른고딕" panose="020B0603020101020101" pitchFamily="50" charset="-127"/>
+              </a:rPr>
+              <a:t>git status </a:t>
+            </a:r>
+            <a:r>
+              <a:rPr lang="ko-KR" altLang="en-US" sz="1400" dirty="0">
+                <a:latin typeface="나눔바른고딕" panose="020B0603020101020101" pitchFamily="50" charset="-127"/>
+                <a:ea typeface="나눔바른고딕" panose="020B0603020101020101" pitchFamily="50" charset="-127"/>
+              </a:rPr>
+              <a:t>하면 </a:t>
+            </a:r>
+            <a:r>
+              <a:rPr lang="en-US" altLang="ko-KR" sz="1400" dirty="0">
+                <a:latin typeface="나눔바른고딕" panose="020B0603020101020101" pitchFamily="50" charset="-127"/>
+                <a:ea typeface="나눔바른고딕" panose="020B0603020101020101" pitchFamily="50" charset="-127"/>
+              </a:rPr>
+              <a:t>modified</a:t>
+            </a:r>
+            <a:r>
+              <a:rPr lang="ko-KR" altLang="en-US" sz="1400" dirty="0">
+                <a:latin typeface="나눔바른고딕" panose="020B0603020101020101" pitchFamily="50" charset="-127"/>
+                <a:ea typeface="나눔바른고딕" panose="020B0603020101020101" pitchFamily="50" charset="-127"/>
+              </a:rPr>
+              <a:t> </a:t>
+            </a:r>
+            <a:r>
+              <a:rPr lang="en-US" altLang="ko-KR" sz="1400" dirty="0">
+                <a:latin typeface="나눔바른고딕" panose="020B0603020101020101" pitchFamily="50" charset="-127"/>
+                <a:ea typeface="나눔바른고딕" panose="020B0603020101020101" pitchFamily="50" charset="-127"/>
+              </a:rPr>
+              <a:t>/ new / delete </a:t>
+            </a:r>
+            <a:r>
+              <a:rPr lang="ko-KR" altLang="en-US" sz="1400" dirty="0">
+                <a:latin typeface="나눔바른고딕" panose="020B0603020101020101" pitchFamily="50" charset="-127"/>
+                <a:ea typeface="나눔바른고딕" panose="020B0603020101020101" pitchFamily="50" charset="-127"/>
+              </a:rPr>
+              <a:t>등으로 확인 가능</a:t>
+            </a:r>
+            <a:r>
+              <a:rPr lang="en-US" altLang="ko-KR" sz="1400" dirty="0">
+                <a:latin typeface="나눔바른고딕" panose="020B0603020101020101" pitchFamily="50" charset="-127"/>
+                <a:ea typeface="나눔바른고딕" panose="020B0603020101020101" pitchFamily="50" charset="-127"/>
+              </a:rPr>
+              <a:t>,</a:t>
+            </a:r>
+          </a:p>
+          <a:p>
+            <a:r>
+              <a:rPr lang="en-US" altLang="ko-KR" sz="1400" dirty="0">
+                <a:latin typeface="나눔바른고딕" panose="020B0603020101020101" pitchFamily="50" charset="-127"/>
+                <a:ea typeface="나눔바른고딕" panose="020B0603020101020101" pitchFamily="50" charset="-127"/>
+              </a:rPr>
+              <a:t>        git add .</a:t>
+            </a:r>
+          </a:p>
+          <a:p>
+            <a:r>
+              <a:rPr lang="en-US" altLang="ko-KR" sz="1400" dirty="0">
+                <a:latin typeface="나눔바른고딕" panose="020B0603020101020101" pitchFamily="50" charset="-127"/>
+                <a:ea typeface="나눔바른고딕" panose="020B0603020101020101" pitchFamily="50" charset="-127"/>
+              </a:rPr>
+              <a:t>        git commit –m “</a:t>
+            </a:r>
+            <a:r>
+              <a:rPr lang="ko-KR" altLang="en-US" sz="1400" dirty="0" err="1">
+                <a:latin typeface="나눔바른고딕" panose="020B0603020101020101" pitchFamily="50" charset="-127"/>
+                <a:ea typeface="나눔바른고딕" panose="020B0603020101020101" pitchFamily="50" charset="-127"/>
+              </a:rPr>
+              <a:t>메세지내용</a:t>
+            </a:r>
+            <a:r>
+              <a:rPr lang="ko-KR" altLang="en-US" sz="1400" dirty="0">
+                <a:latin typeface="나눔바른고딕" panose="020B0603020101020101" pitchFamily="50" charset="-127"/>
+                <a:ea typeface="나눔바른고딕" panose="020B0603020101020101" pitchFamily="50" charset="-127"/>
+              </a:rPr>
+              <a:t> </a:t>
+            </a:r>
+            <a:r>
+              <a:rPr lang="en-US" altLang="ko-KR" sz="1400" dirty="0">
+                <a:latin typeface="나눔바른고딕" panose="020B0603020101020101" pitchFamily="50" charset="-127"/>
+                <a:ea typeface="나눔바른고딕" panose="020B0603020101020101" pitchFamily="50" charset="-127"/>
+              </a:rPr>
+              <a:t>– (</a:t>
+            </a:r>
+            <a:r>
+              <a:rPr lang="ko-KR" altLang="en-US" sz="1400" dirty="0">
+                <a:latin typeface="나눔바른고딕" panose="020B0603020101020101" pitchFamily="50" charset="-127"/>
+                <a:ea typeface="나눔바른고딕" panose="020B0603020101020101" pitchFamily="50" charset="-127"/>
+              </a:rPr>
+              <a:t>최대한 작업한 내용 자세히 써줍시다</a:t>
+            </a:r>
+            <a:r>
+              <a:rPr lang="en-US" altLang="ko-KR" sz="1400" dirty="0">
+                <a:latin typeface="나눔바른고딕" panose="020B0603020101020101" pitchFamily="50" charset="-127"/>
+                <a:ea typeface="나눔바른고딕" panose="020B0603020101020101" pitchFamily="50" charset="-127"/>
+              </a:rPr>
+              <a:t>)”</a:t>
+            </a:r>
+          </a:p>
+          <a:p>
+            <a:r>
+              <a:rPr lang="en-US" altLang="ko-KR" sz="1400" dirty="0">
+                <a:latin typeface="나눔바른고딕" panose="020B0603020101020101" pitchFamily="50" charset="-127"/>
+                <a:ea typeface="나눔바른고딕" panose="020B0603020101020101" pitchFamily="50" charset="-127"/>
+              </a:rPr>
+              <a:t>        git push origin master</a:t>
+            </a:r>
+          </a:p>
+        </p:txBody>
+      </p:sp>
+      <p:sp>
+        <p:nvSpPr>
+          <p:cNvPr id="13" name="TextBox 12">
+            <a:extLst>
+              <a:ext uri="{FF2B5EF4-FFF2-40B4-BE49-F238E27FC236}">
+                <a16:creationId xmlns:a16="http://schemas.microsoft.com/office/drawing/2014/main" id="{810E4995-AF59-48C5-81D6-743B2035A9A0}"/>
+              </a:ext>
+            </a:extLst>
+          </p:cNvPr>
+          <p:cNvSpPr txBox="1"/>
+          <p:nvPr/>
+        </p:nvSpPr>
+        <p:spPr>
+          <a:xfrm>
+            <a:off x="1875180" y="2984658"/>
+            <a:ext cx="7071112" cy="1169551"/>
+          </a:xfrm>
+          <a:prstGeom prst="rect">
+            <a:avLst/>
+          </a:prstGeom>
+          <a:noFill/>
+        </p:spPr>
+        <p:txBody>
+          <a:bodyPr wrap="square" rtlCol="0">
+            <a:spAutoFit/>
+          </a:bodyPr>
+          <a:lstStyle/>
+          <a:p>
+            <a:r>
+              <a:rPr lang="en-US" altLang="ko-KR" sz="1400" dirty="0">
+                <a:latin typeface="나눔바른고딕" panose="020B0603020101020101" pitchFamily="50" charset="-127"/>
+                <a:ea typeface="나눔바른고딕" panose="020B0603020101020101" pitchFamily="50" charset="-127"/>
+              </a:rPr>
+              <a:t>** Repository</a:t>
+            </a:r>
+          </a:p>
+          <a:p>
+            <a:pPr marL="285750" indent="-285750">
+              <a:buFontTx/>
+              <a:buChar char="-"/>
+            </a:pPr>
+            <a:r>
+              <a:rPr lang="en-US" altLang="ko-KR" sz="1400" dirty="0">
+                <a:latin typeface="나눔바른고딕" panose="020B0603020101020101" pitchFamily="50" charset="-127"/>
+                <a:ea typeface="나눔바른고딕" panose="020B0603020101020101" pitchFamily="50" charset="-127"/>
+              </a:rPr>
+              <a:t>Server : </a:t>
+            </a:r>
+            <a:r>
+              <a:rPr lang="en-US" altLang="ko-KR" sz="1400" dirty="0">
+                <a:latin typeface="나눔바른고딕" panose="020B0603020101020101" pitchFamily="50" charset="-127"/>
+                <a:ea typeface="나눔바른고딕" panose="020B0603020101020101" pitchFamily="50" charset="-127"/>
+                <a:hlinkClick r:id="rId2"/>
+              </a:rPr>
+              <a:t>https://github.com/zzokokeic/barogagi1gibateam.git</a:t>
+            </a:r>
+            <a:endParaRPr lang="en-US" altLang="ko-KR" sz="1400" dirty="0">
+              <a:latin typeface="나눔바른고딕" panose="020B0603020101020101" pitchFamily="50" charset="-127"/>
+              <a:ea typeface="나눔바른고딕" panose="020B0603020101020101" pitchFamily="50" charset="-127"/>
+            </a:endParaRPr>
+          </a:p>
+          <a:p>
+            <a:pPr marL="285750" indent="-285750">
+              <a:buFontTx/>
+              <a:buChar char="-"/>
+            </a:pPr>
+            <a:r>
+              <a:rPr lang="en-US" altLang="ko-KR" sz="1400" dirty="0">
+                <a:latin typeface="나눔바른고딕" panose="020B0603020101020101" pitchFamily="50" charset="-127"/>
+                <a:ea typeface="나눔바른고딕" panose="020B0603020101020101" pitchFamily="50" charset="-127"/>
+              </a:rPr>
+              <a:t>Fuse : </a:t>
+            </a:r>
+            <a:r>
+              <a:rPr lang="en-US" altLang="ko-KR" sz="1400" dirty="0">
+                <a:latin typeface="나눔바른고딕" panose="020B0603020101020101" pitchFamily="50" charset="-127"/>
+                <a:ea typeface="나눔바른고딕" panose="020B0603020101020101" pitchFamily="50" charset="-127"/>
+                <a:hlinkClick r:id="rId3"/>
+              </a:rPr>
+              <a:t>https://github.com/zzokokeic/barogagifuze</a:t>
+            </a:r>
+            <a:endParaRPr lang="en-US" altLang="ko-KR" sz="1400" dirty="0">
+              <a:latin typeface="나눔바른고딕" panose="020B0603020101020101" pitchFamily="50" charset="-127"/>
+              <a:ea typeface="나눔바른고딕" panose="020B0603020101020101" pitchFamily="50" charset="-127"/>
+            </a:endParaRPr>
+          </a:p>
+          <a:p>
+            <a:pPr marL="285750" indent="-285750">
+              <a:buFontTx/>
+              <a:buChar char="-"/>
+            </a:pPr>
+            <a:r>
+              <a:rPr lang="en-US" altLang="ko-KR" sz="1400" dirty="0">
+                <a:latin typeface="나눔바른고딕" panose="020B0603020101020101" pitchFamily="50" charset="-127"/>
+                <a:ea typeface="나눔바른고딕" panose="020B0603020101020101" pitchFamily="50" charset="-127"/>
+              </a:rPr>
+              <a:t>Heroku : </a:t>
+            </a:r>
+            <a:r>
+              <a:rPr lang="en-US" altLang="ko-KR" sz="1400" dirty="0">
+                <a:latin typeface="나눔바른고딕" panose="020B0603020101020101" pitchFamily="50" charset="-127"/>
+                <a:ea typeface="나눔바른고딕" panose="020B0603020101020101" pitchFamily="50" charset="-127"/>
+                <a:hlinkClick r:id="rId4"/>
+              </a:rPr>
+              <a:t>https://git.heroku.com/arcane-gorge-90774.git</a:t>
+            </a:r>
+            <a:endParaRPr lang="en-US" altLang="ko-KR" sz="1400" dirty="0">
+              <a:latin typeface="나눔바른고딕" panose="020B0603020101020101" pitchFamily="50" charset="-127"/>
+              <a:ea typeface="나눔바른고딕" panose="020B0603020101020101" pitchFamily="50" charset="-127"/>
+            </a:endParaRPr>
+          </a:p>
+          <a:p>
+            <a:r>
+              <a:rPr lang="en-US" altLang="ko-KR" sz="1400" dirty="0">
+                <a:latin typeface="나눔바른고딕" panose="020B0603020101020101" pitchFamily="50" charset="-127"/>
+                <a:ea typeface="나눔바른고딕" panose="020B0603020101020101" pitchFamily="50" charset="-127"/>
+              </a:rPr>
+              <a:t>            Heroku app : https://arcane-gorge-90774.herokuapp.com</a:t>
+            </a:r>
+          </a:p>
+        </p:txBody>
+      </p:sp>
+      <p:sp>
+        <p:nvSpPr>
+          <p:cNvPr id="10" name="TextBox 9">
+            <a:extLst>
+              <a:ext uri="{FF2B5EF4-FFF2-40B4-BE49-F238E27FC236}">
+                <a16:creationId xmlns:a16="http://schemas.microsoft.com/office/drawing/2014/main" id="{256C5E5C-281B-4C61-AFAD-04B2C59DDF79}"/>
+              </a:ext>
+            </a:extLst>
+          </p:cNvPr>
+          <p:cNvSpPr txBox="1"/>
+          <p:nvPr/>
+        </p:nvSpPr>
+        <p:spPr>
+          <a:xfrm>
+            <a:off x="688931" y="2232003"/>
             <a:ext cx="9782828" cy="738664"/>
           </a:xfrm>
           <a:prstGeom prst="rect">
@@ -6379,334 +6831,7 @@
                 <a:latin typeface="나눔바른고딕" panose="020B0603020101020101" pitchFamily="50" charset="-127"/>
                 <a:ea typeface="나눔바른고딕" panose="020B0603020101020101" pitchFamily="50" charset="-127"/>
               </a:rPr>
-              <a:t>         git clone https://github.com/zzokokeic/barogagi1gibateam.git</a:t>
-            </a:r>
-          </a:p>
-        </p:txBody>
-      </p:sp>
-      <p:sp>
-        <p:nvSpPr>
-          <p:cNvPr id="11" name="TextBox 10">
-            <a:extLst>
-              <a:ext uri="{FF2B5EF4-FFF2-40B4-BE49-F238E27FC236}">
-                <a16:creationId xmlns:a16="http://schemas.microsoft.com/office/drawing/2014/main" id="{39708FF4-DBEE-4A9D-8227-4C3391529988}"/>
-              </a:ext>
-            </a:extLst>
-          </p:cNvPr>
-          <p:cNvSpPr txBox="1"/>
-          <p:nvPr/>
-        </p:nvSpPr>
-        <p:spPr>
-          <a:xfrm>
-            <a:off x="688931" y="3616260"/>
-            <a:ext cx="9782828" cy="523220"/>
-          </a:xfrm>
-          <a:prstGeom prst="rect">
-            <a:avLst/>
-          </a:prstGeom>
-          <a:noFill/>
-        </p:spPr>
-        <p:txBody>
-          <a:bodyPr wrap="square" rtlCol="0">
-            <a:spAutoFit/>
-          </a:bodyPr>
-          <a:lstStyle/>
-          <a:p>
-            <a:pPr marL="342900" indent="-342900">
-              <a:buAutoNum type="arabicPeriod" startAt="3"/>
-            </a:pPr>
-            <a:r>
-              <a:rPr lang="ko-KR" altLang="en-US" sz="1400" dirty="0">
-                <a:latin typeface="나눔바른고딕" panose="020B0603020101020101" pitchFamily="50" charset="-127"/>
-                <a:ea typeface="나눔바른고딕" panose="020B0603020101020101" pitchFamily="50" charset="-127"/>
-              </a:rPr>
-              <a:t>파일을 수정</a:t>
-            </a:r>
-            <a:r>
-              <a:rPr lang="en-US" altLang="ko-KR" sz="1400" dirty="0">
-                <a:latin typeface="나눔바른고딕" panose="020B0603020101020101" pitchFamily="50" charset="-127"/>
-                <a:ea typeface="나눔바른고딕" panose="020B0603020101020101" pitchFamily="50" charset="-127"/>
-              </a:rPr>
-              <a:t>/</a:t>
-            </a:r>
-            <a:r>
-              <a:rPr lang="ko-KR" altLang="en-US" sz="1400" dirty="0">
-                <a:latin typeface="나눔바른고딕" panose="020B0603020101020101" pitchFamily="50" charset="-127"/>
-                <a:ea typeface="나눔바른고딕" panose="020B0603020101020101" pitchFamily="50" charset="-127"/>
-              </a:rPr>
-              <a:t>업데이트한다</a:t>
-            </a:r>
-            <a:r>
-              <a:rPr lang="en-US" altLang="ko-KR" sz="1400" dirty="0">
-                <a:latin typeface="나눔바른고딕" panose="020B0603020101020101" pitchFamily="50" charset="-127"/>
-                <a:ea typeface="나눔바른고딕" panose="020B0603020101020101" pitchFamily="50" charset="-127"/>
-              </a:rPr>
-              <a:t>!</a:t>
-            </a:r>
-          </a:p>
-          <a:p>
-            <a:r>
-              <a:rPr lang="en-US" altLang="ko-KR" sz="1400" dirty="0">
-                <a:latin typeface="나눔바른고딕" panose="020B0603020101020101" pitchFamily="50" charset="-127"/>
-                <a:ea typeface="나눔바른고딕" panose="020B0603020101020101" pitchFamily="50" charset="-127"/>
-              </a:rPr>
-              <a:t>        </a:t>
-            </a:r>
-            <a:r>
-              <a:rPr lang="ko-KR" altLang="en-US" sz="1400" dirty="0">
-                <a:latin typeface="나눔바른고딕" panose="020B0603020101020101" pitchFamily="50" charset="-127"/>
-                <a:ea typeface="나눔바른고딕" panose="020B0603020101020101" pitchFamily="50" charset="-127"/>
-              </a:rPr>
-              <a:t>이 때</a:t>
-            </a:r>
-            <a:r>
-              <a:rPr lang="en-US" altLang="ko-KR" sz="1400" dirty="0">
-                <a:latin typeface="나눔바른고딕" panose="020B0603020101020101" pitchFamily="50" charset="-127"/>
-                <a:ea typeface="나눔바른고딕" panose="020B0603020101020101" pitchFamily="50" charset="-127"/>
-              </a:rPr>
-              <a:t>, </a:t>
-            </a:r>
-            <a:r>
-              <a:rPr lang="ko-KR" altLang="en-US" sz="1400" dirty="0">
-                <a:latin typeface="나눔바른고딕" panose="020B0603020101020101" pitchFamily="50" charset="-127"/>
-                <a:ea typeface="나눔바른고딕" panose="020B0603020101020101" pitchFamily="50" charset="-127"/>
-              </a:rPr>
-              <a:t>실제 파일 다운로드는 </a:t>
-            </a:r>
-            <a:r>
-              <a:rPr lang="en-US" altLang="ko-KR" sz="1400" dirty="0">
-                <a:latin typeface="나눔바른고딕" panose="020B0603020101020101" pitchFamily="50" charset="-127"/>
-                <a:ea typeface="나눔바른고딕" panose="020B0603020101020101" pitchFamily="50" charset="-127"/>
-              </a:rPr>
-              <a:t>/*local folder path*/ </a:t>
-            </a:r>
-            <a:r>
-              <a:rPr lang="ko-KR" altLang="en-US" sz="1400" dirty="0">
-                <a:latin typeface="나눔바른고딕" panose="020B0603020101020101" pitchFamily="50" charset="-127"/>
-                <a:ea typeface="나눔바른고딕" panose="020B0603020101020101" pitchFamily="50" charset="-127"/>
-              </a:rPr>
-              <a:t>안에 </a:t>
-            </a:r>
-            <a:r>
-              <a:rPr lang="en-US" altLang="ko-KR" sz="1400" dirty="0">
-                <a:latin typeface="나눔바른고딕" panose="020B0603020101020101" pitchFamily="50" charset="-127"/>
-                <a:ea typeface="나눔바른고딕" panose="020B0603020101020101" pitchFamily="50" charset="-127"/>
-              </a:rPr>
-              <a:t>barogagi1gibateam </a:t>
-            </a:r>
-            <a:r>
-              <a:rPr lang="ko-KR" altLang="en-US" sz="1400" dirty="0">
-                <a:latin typeface="나눔바른고딕" panose="020B0603020101020101" pitchFamily="50" charset="-127"/>
-                <a:ea typeface="나눔바른고딕" panose="020B0603020101020101" pitchFamily="50" charset="-127"/>
-              </a:rPr>
-              <a:t>이름으로 완료됨</a:t>
-            </a:r>
-            <a:endParaRPr lang="en-US" altLang="ko-KR" sz="1400" dirty="0">
-              <a:latin typeface="나눔바른고딕" panose="020B0603020101020101" pitchFamily="50" charset="-127"/>
-              <a:ea typeface="나눔바른고딕" panose="020B0603020101020101" pitchFamily="50" charset="-127"/>
-            </a:endParaRPr>
-          </a:p>
-        </p:txBody>
-      </p:sp>
-      <p:sp>
-        <p:nvSpPr>
-          <p:cNvPr id="12" name="TextBox 11">
-            <a:extLst>
-              <a:ext uri="{FF2B5EF4-FFF2-40B4-BE49-F238E27FC236}">
-                <a16:creationId xmlns:a16="http://schemas.microsoft.com/office/drawing/2014/main" id="{32B1C407-FFB2-4DBD-A073-DD493FB463A9}"/>
-              </a:ext>
-            </a:extLst>
-          </p:cNvPr>
-          <p:cNvSpPr txBox="1"/>
-          <p:nvPr/>
-        </p:nvSpPr>
-        <p:spPr>
-          <a:xfrm>
-            <a:off x="688931" y="4315517"/>
-            <a:ext cx="9782828" cy="1169551"/>
-          </a:xfrm>
-          <a:prstGeom prst="rect">
-            <a:avLst/>
-          </a:prstGeom>
-          <a:noFill/>
-        </p:spPr>
-        <p:txBody>
-          <a:bodyPr wrap="square" rtlCol="0">
-            <a:spAutoFit/>
-          </a:bodyPr>
-          <a:lstStyle/>
-          <a:p>
-            <a:pPr marL="342900" indent="-342900">
-              <a:buAutoNum type="arabicPeriod" startAt="4"/>
-            </a:pPr>
-            <a:r>
-              <a:rPr lang="ko-KR" altLang="en-US" sz="1400" dirty="0">
-                <a:latin typeface="나눔바른고딕" panose="020B0603020101020101" pitchFamily="50" charset="-127"/>
-                <a:ea typeface="나눔바른고딕" panose="020B0603020101020101" pitchFamily="50" charset="-127"/>
-              </a:rPr>
-              <a:t>파일 수정을 완료한 후 </a:t>
-            </a:r>
-            <a:r>
-              <a:rPr lang="en-US" altLang="ko-KR" sz="1400" dirty="0">
-                <a:latin typeface="나눔바른고딕" panose="020B0603020101020101" pitchFamily="50" charset="-127"/>
-                <a:ea typeface="나눔바른고딕" panose="020B0603020101020101" pitchFamily="50" charset="-127"/>
-              </a:rPr>
-              <a:t>git hub</a:t>
-            </a:r>
-            <a:r>
-              <a:rPr lang="ko-KR" altLang="en-US" sz="1400" dirty="0">
-                <a:latin typeface="나눔바른고딕" panose="020B0603020101020101" pitchFamily="50" charset="-127"/>
-                <a:ea typeface="나눔바른고딕" panose="020B0603020101020101" pitchFamily="50" charset="-127"/>
-              </a:rPr>
-              <a:t>에 </a:t>
-            </a:r>
-            <a:r>
-              <a:rPr lang="en-US" altLang="ko-KR" sz="1400" dirty="0">
-                <a:latin typeface="나눔바른고딕" panose="020B0603020101020101" pitchFamily="50" charset="-127"/>
-                <a:ea typeface="나눔바른고딕" panose="020B0603020101020101" pitchFamily="50" charset="-127"/>
-              </a:rPr>
-              <a:t>push</a:t>
-            </a:r>
-            <a:r>
-              <a:rPr lang="ko-KR" altLang="en-US" sz="1400" dirty="0">
-                <a:latin typeface="나눔바른고딕" panose="020B0603020101020101" pitchFamily="50" charset="-127"/>
-                <a:ea typeface="나눔바른고딕" panose="020B0603020101020101" pitchFamily="50" charset="-127"/>
-              </a:rPr>
-              <a:t>한다</a:t>
-            </a:r>
-            <a:r>
-              <a:rPr lang="en-US" altLang="ko-KR" sz="1400" dirty="0">
-                <a:latin typeface="나눔바른고딕" panose="020B0603020101020101" pitchFamily="50" charset="-127"/>
-                <a:ea typeface="나눔바른고딕" panose="020B0603020101020101" pitchFamily="50" charset="-127"/>
-              </a:rPr>
-              <a:t>.</a:t>
-            </a:r>
-          </a:p>
-          <a:p>
-            <a:r>
-              <a:rPr lang="en-US" altLang="ko-KR" sz="1400" dirty="0">
-                <a:latin typeface="나눔바른고딕" panose="020B0603020101020101" pitchFamily="50" charset="-127"/>
-                <a:ea typeface="나눔바른고딕" panose="020B0603020101020101" pitchFamily="50" charset="-127"/>
-              </a:rPr>
-              <a:t>         /*local folder path*/barogagi1gibateam </a:t>
-            </a:r>
-            <a:r>
-              <a:rPr lang="ko-KR" altLang="en-US" sz="1400" dirty="0">
-                <a:latin typeface="나눔바른고딕" panose="020B0603020101020101" pitchFamily="50" charset="-127"/>
-                <a:ea typeface="나눔바른고딕" panose="020B0603020101020101" pitchFamily="50" charset="-127"/>
-              </a:rPr>
-              <a:t>위치에서 </a:t>
-            </a:r>
-            <a:r>
-              <a:rPr lang="en-US" altLang="ko-KR" sz="1400" dirty="0">
-                <a:latin typeface="나눔바른고딕" panose="020B0603020101020101" pitchFamily="50" charset="-127"/>
-                <a:ea typeface="나눔바른고딕" panose="020B0603020101020101" pitchFamily="50" charset="-127"/>
-              </a:rPr>
-              <a:t>git status </a:t>
-            </a:r>
-            <a:r>
-              <a:rPr lang="ko-KR" altLang="en-US" sz="1400" dirty="0">
-                <a:latin typeface="나눔바른고딕" panose="020B0603020101020101" pitchFamily="50" charset="-127"/>
-                <a:ea typeface="나눔바른고딕" panose="020B0603020101020101" pitchFamily="50" charset="-127"/>
-              </a:rPr>
-              <a:t>하면 </a:t>
-            </a:r>
-            <a:r>
-              <a:rPr lang="en-US" altLang="ko-KR" sz="1400" dirty="0">
-                <a:latin typeface="나눔바른고딕" panose="020B0603020101020101" pitchFamily="50" charset="-127"/>
-                <a:ea typeface="나눔바른고딕" panose="020B0603020101020101" pitchFamily="50" charset="-127"/>
-              </a:rPr>
-              <a:t>modified</a:t>
-            </a:r>
-            <a:r>
-              <a:rPr lang="ko-KR" altLang="en-US" sz="1400" dirty="0">
-                <a:latin typeface="나눔바른고딕" panose="020B0603020101020101" pitchFamily="50" charset="-127"/>
-                <a:ea typeface="나눔바른고딕" panose="020B0603020101020101" pitchFamily="50" charset="-127"/>
-              </a:rPr>
-              <a:t> </a:t>
-            </a:r>
-            <a:r>
-              <a:rPr lang="en-US" altLang="ko-KR" sz="1400" dirty="0">
-                <a:latin typeface="나눔바른고딕" panose="020B0603020101020101" pitchFamily="50" charset="-127"/>
-                <a:ea typeface="나눔바른고딕" panose="020B0603020101020101" pitchFamily="50" charset="-127"/>
-              </a:rPr>
-              <a:t>/ new / delete </a:t>
-            </a:r>
-            <a:r>
-              <a:rPr lang="ko-KR" altLang="en-US" sz="1400" dirty="0">
-                <a:latin typeface="나눔바른고딕" panose="020B0603020101020101" pitchFamily="50" charset="-127"/>
-                <a:ea typeface="나눔바른고딕" panose="020B0603020101020101" pitchFamily="50" charset="-127"/>
-              </a:rPr>
-              <a:t>등으로 확인 가능</a:t>
-            </a:r>
-            <a:r>
-              <a:rPr lang="en-US" altLang="ko-KR" sz="1400" dirty="0">
-                <a:latin typeface="나눔바른고딕" panose="020B0603020101020101" pitchFamily="50" charset="-127"/>
-                <a:ea typeface="나눔바른고딕" panose="020B0603020101020101" pitchFamily="50" charset="-127"/>
-              </a:rPr>
-              <a:t>,</a:t>
-            </a:r>
-          </a:p>
-          <a:p>
-            <a:r>
-              <a:rPr lang="en-US" altLang="ko-KR" sz="1400" dirty="0">
-                <a:latin typeface="나눔바른고딕" panose="020B0603020101020101" pitchFamily="50" charset="-127"/>
-                <a:ea typeface="나눔바른고딕" panose="020B0603020101020101" pitchFamily="50" charset="-127"/>
-              </a:rPr>
-              <a:t>        git add .</a:t>
-            </a:r>
-          </a:p>
-          <a:p>
-            <a:r>
-              <a:rPr lang="en-US" altLang="ko-KR" sz="1400" dirty="0">
-                <a:latin typeface="나눔바른고딕" panose="020B0603020101020101" pitchFamily="50" charset="-127"/>
-                <a:ea typeface="나눔바른고딕" panose="020B0603020101020101" pitchFamily="50" charset="-127"/>
-              </a:rPr>
-              <a:t>        git commit –m “</a:t>
-            </a:r>
-            <a:r>
-              <a:rPr lang="ko-KR" altLang="en-US" sz="1400" dirty="0" err="1">
-                <a:latin typeface="나눔바른고딕" panose="020B0603020101020101" pitchFamily="50" charset="-127"/>
-                <a:ea typeface="나눔바른고딕" panose="020B0603020101020101" pitchFamily="50" charset="-127"/>
-              </a:rPr>
-              <a:t>메세지내용</a:t>
-            </a:r>
-            <a:r>
-              <a:rPr lang="ko-KR" altLang="en-US" sz="1400" dirty="0">
-                <a:latin typeface="나눔바른고딕" panose="020B0603020101020101" pitchFamily="50" charset="-127"/>
-                <a:ea typeface="나눔바른고딕" panose="020B0603020101020101" pitchFamily="50" charset="-127"/>
-              </a:rPr>
-              <a:t> </a:t>
-            </a:r>
-            <a:r>
-              <a:rPr lang="en-US" altLang="ko-KR" sz="1400" dirty="0">
-                <a:latin typeface="나눔바른고딕" panose="020B0603020101020101" pitchFamily="50" charset="-127"/>
-                <a:ea typeface="나눔바른고딕" panose="020B0603020101020101" pitchFamily="50" charset="-127"/>
-              </a:rPr>
-              <a:t>– (</a:t>
-            </a:r>
-            <a:r>
-              <a:rPr lang="ko-KR" altLang="en-US" sz="1400" dirty="0">
-                <a:latin typeface="나눔바른고딕" panose="020B0603020101020101" pitchFamily="50" charset="-127"/>
-                <a:ea typeface="나눔바른고딕" panose="020B0603020101020101" pitchFamily="50" charset="-127"/>
-              </a:rPr>
-              <a:t>최대한 작업한 내용 자세히 써줍시다</a:t>
-            </a:r>
-            <a:r>
-              <a:rPr lang="en-US" altLang="ko-KR" sz="1400" dirty="0">
-                <a:latin typeface="나눔바른고딕" panose="020B0603020101020101" pitchFamily="50" charset="-127"/>
-                <a:ea typeface="나눔바른고딕" panose="020B0603020101020101" pitchFamily="50" charset="-127"/>
-              </a:rPr>
-              <a:t>)”</a:t>
-            </a:r>
-          </a:p>
-          <a:p>
-            <a:r>
-              <a:rPr lang="en-US" altLang="ko-KR" sz="1400" dirty="0">
-                <a:latin typeface="나눔바른고딕" panose="020B0603020101020101" pitchFamily="50" charset="-127"/>
-                <a:ea typeface="나눔바른고딕" panose="020B0603020101020101" pitchFamily="50" charset="-127"/>
-              </a:rPr>
-              <a:t>        git push origin master</a:t>
+              <a:t>         git clone /*repository*/</a:t>
             </a:r>
           </a:p>
         </p:txBody>
@@ -6741,6 +6866,394 @@
           <a:chExt cx="0" cy="0"/>
         </a:xfrm>
       </p:grpSpPr>
+      <p:sp>
+        <p:nvSpPr>
+          <p:cNvPr id="14" name="직사각형 13">
+            <a:extLst>
+              <a:ext uri="{FF2B5EF4-FFF2-40B4-BE49-F238E27FC236}">
+                <a16:creationId xmlns:a16="http://schemas.microsoft.com/office/drawing/2014/main" id="{53131EFC-C326-4FE7-BCCE-2F7481D538A4}"/>
+              </a:ext>
+            </a:extLst>
+          </p:cNvPr>
+          <p:cNvSpPr/>
+          <p:nvPr/>
+        </p:nvSpPr>
+        <p:spPr>
+          <a:xfrm>
+            <a:off x="688930" y="2748984"/>
+            <a:ext cx="1647870" cy="513092"/>
+          </a:xfrm>
+          <a:prstGeom prst="rect">
+            <a:avLst/>
+          </a:prstGeom>
+          <a:solidFill>
+            <a:schemeClr val="accent4"/>
+          </a:solidFill>
+          <a:ln>
+            <a:noFill/>
+          </a:ln>
+        </p:spPr>
+        <p:style>
+          <a:lnRef idx="2">
+            <a:schemeClr val="accent1">
+              <a:shade val="50000"/>
+            </a:schemeClr>
+          </a:lnRef>
+          <a:fillRef idx="1">
+            <a:schemeClr val="accent1"/>
+          </a:fillRef>
+          <a:effectRef idx="0">
+            <a:schemeClr val="accent1"/>
+          </a:effectRef>
+          <a:fontRef idx="minor">
+            <a:schemeClr val="lt1"/>
+          </a:fontRef>
+        </p:style>
+        <p:txBody>
+          <a:bodyPr rtlCol="0" anchor="ctr"/>
+          <a:lstStyle/>
+          <a:p>
+            <a:pPr algn="ctr"/>
+            <a:endParaRPr lang="ko-KR" altLang="en-US"/>
+          </a:p>
+        </p:txBody>
+      </p:sp>
+      <p:sp>
+        <p:nvSpPr>
+          <p:cNvPr id="15" name="TextBox 14">
+            <a:extLst>
+              <a:ext uri="{FF2B5EF4-FFF2-40B4-BE49-F238E27FC236}">
+                <a16:creationId xmlns:a16="http://schemas.microsoft.com/office/drawing/2014/main" id="{061F4F66-D88F-4C6E-8FC0-FA3B213C3230}"/>
+              </a:ext>
+            </a:extLst>
+          </p:cNvPr>
+          <p:cNvSpPr txBox="1"/>
+          <p:nvPr/>
+        </p:nvSpPr>
+        <p:spPr>
+          <a:xfrm>
+            <a:off x="688930" y="2748984"/>
+            <a:ext cx="5089570" cy="1169551"/>
+          </a:xfrm>
+          <a:prstGeom prst="rect">
+            <a:avLst/>
+          </a:prstGeom>
+          <a:noFill/>
+        </p:spPr>
+        <p:txBody>
+          <a:bodyPr wrap="square" rtlCol="0">
+            <a:spAutoFit/>
+          </a:bodyPr>
+          <a:lstStyle/>
+          <a:p>
+            <a:r>
+              <a:rPr lang="en-US" altLang="ko-KR" sz="1400" dirty="0">
+                <a:latin typeface="나눔바른고딕" panose="020B0603020101020101" pitchFamily="50" charset="-127"/>
+                <a:ea typeface="나눔바른고딕" panose="020B0603020101020101" pitchFamily="50" charset="-127"/>
+              </a:rPr>
+              <a:t>** rake</a:t>
+            </a:r>
+            <a:r>
+              <a:rPr lang="ko-KR" altLang="en-US" sz="1400" dirty="0">
+                <a:latin typeface="나눔바른고딕" panose="020B0603020101020101" pitchFamily="50" charset="-127"/>
+                <a:ea typeface="나눔바른고딕" panose="020B0603020101020101" pitchFamily="50" charset="-127"/>
+              </a:rPr>
+              <a:t> </a:t>
+            </a:r>
+            <a:r>
+              <a:rPr lang="en-US" altLang="ko-KR" sz="1400" dirty="0" err="1">
+                <a:latin typeface="나눔바른고딕" panose="020B0603020101020101" pitchFamily="50" charset="-127"/>
+                <a:ea typeface="나눔바른고딕" panose="020B0603020101020101" pitchFamily="50" charset="-127"/>
+              </a:rPr>
+              <a:t>db:migrate</a:t>
+            </a:r>
+            <a:endParaRPr lang="en-US" altLang="ko-KR" sz="1400" dirty="0">
+              <a:latin typeface="나눔바른고딕" panose="020B0603020101020101" pitchFamily="50" charset="-127"/>
+              <a:ea typeface="나눔바른고딕" panose="020B0603020101020101" pitchFamily="50" charset="-127"/>
+            </a:endParaRPr>
+          </a:p>
+          <a:p>
+            <a:r>
+              <a:rPr lang="en-US" altLang="ko-KR" sz="1400" dirty="0">
+                <a:latin typeface="나눔바른고딕" panose="020B0603020101020101" pitchFamily="50" charset="-127"/>
+                <a:ea typeface="나눔바른고딕" panose="020B0603020101020101" pitchFamily="50" charset="-127"/>
+              </a:rPr>
+              <a:t>** rake </a:t>
+            </a:r>
+            <a:r>
+              <a:rPr lang="en-US" altLang="ko-KR" sz="1400" dirty="0" err="1">
+                <a:latin typeface="나눔바른고딕" panose="020B0603020101020101" pitchFamily="50" charset="-127"/>
+                <a:ea typeface="나눔바른고딕" panose="020B0603020101020101" pitchFamily="50" charset="-127"/>
+              </a:rPr>
+              <a:t>db:seed</a:t>
+            </a:r>
+            <a:endParaRPr lang="en-US" altLang="ko-KR" sz="1400" dirty="0">
+              <a:latin typeface="나눔바른고딕" panose="020B0603020101020101" pitchFamily="50" charset="-127"/>
+              <a:ea typeface="나눔바른고딕" panose="020B0603020101020101" pitchFamily="50" charset="-127"/>
+            </a:endParaRPr>
+          </a:p>
+          <a:p>
+            <a:endParaRPr lang="en-US" altLang="ko-KR" sz="1400" dirty="0">
+              <a:latin typeface="나눔바른고딕" panose="020B0603020101020101" pitchFamily="50" charset="-127"/>
+              <a:ea typeface="나눔바른고딕" panose="020B0603020101020101" pitchFamily="50" charset="-127"/>
+            </a:endParaRPr>
+          </a:p>
+          <a:p>
+            <a:r>
+              <a:rPr lang="ko-KR" altLang="en-US" sz="1400" dirty="0">
+                <a:latin typeface="나눔바른고딕" panose="020B0603020101020101" pitchFamily="50" charset="-127"/>
+                <a:ea typeface="나눔바른고딕" panose="020B0603020101020101" pitchFamily="50" charset="-127"/>
+              </a:rPr>
+              <a:t>이 때 </a:t>
+            </a:r>
+            <a:r>
+              <a:rPr lang="en-US" altLang="ko-KR" sz="1400" dirty="0" err="1">
+                <a:latin typeface="나눔바른고딕" panose="020B0603020101020101" pitchFamily="50" charset="-127"/>
+                <a:ea typeface="나눔바른고딕" panose="020B0603020101020101" pitchFamily="50" charset="-127"/>
+              </a:rPr>
+              <a:t>seeds.rb</a:t>
+            </a:r>
+            <a:r>
+              <a:rPr lang="ko-KR" altLang="en-US" sz="1400" dirty="0">
+                <a:latin typeface="나눔바른고딕" panose="020B0603020101020101" pitchFamily="50" charset="-127"/>
+                <a:ea typeface="나눔바른고딕" panose="020B0603020101020101" pitchFamily="50" charset="-127"/>
+              </a:rPr>
+              <a:t>는 </a:t>
+            </a:r>
+            <a:r>
+              <a:rPr lang="en-US" altLang="ko-KR" sz="1400" dirty="0">
+                <a:latin typeface="나눔바른고딕" panose="020B0603020101020101" pitchFamily="50" charset="-127"/>
+                <a:ea typeface="나눔바른고딕" panose="020B0603020101020101" pitchFamily="50" charset="-127"/>
+              </a:rPr>
+              <a:t>barogagi1gibateam/</a:t>
+            </a:r>
+            <a:r>
+              <a:rPr lang="en-US" altLang="ko-KR" sz="1400" dirty="0" err="1">
+                <a:latin typeface="나눔바른고딕" panose="020B0603020101020101" pitchFamily="50" charset="-127"/>
+                <a:ea typeface="나눔바른고딕" panose="020B0603020101020101" pitchFamily="50" charset="-127"/>
+              </a:rPr>
+              <a:t>db</a:t>
+            </a:r>
+            <a:r>
+              <a:rPr lang="en-US" altLang="ko-KR" sz="1400" dirty="0">
+                <a:latin typeface="나눔바른고딕" panose="020B0603020101020101" pitchFamily="50" charset="-127"/>
+                <a:ea typeface="나눔바른고딕" panose="020B0603020101020101" pitchFamily="50" charset="-127"/>
+              </a:rPr>
+              <a:t>/ </a:t>
+            </a:r>
+            <a:r>
+              <a:rPr lang="ko-KR" altLang="en-US" sz="1400" dirty="0">
+                <a:latin typeface="나눔바른고딕" panose="020B0603020101020101" pitchFamily="50" charset="-127"/>
+                <a:ea typeface="나눔바른고딕" panose="020B0603020101020101" pitchFamily="50" charset="-127"/>
+              </a:rPr>
+              <a:t>안에 </a:t>
+            </a:r>
+            <a:r>
+              <a:rPr lang="ko-KR" altLang="en-US" sz="1400" dirty="0" err="1">
+                <a:latin typeface="나눔바른고딕" panose="020B0603020101020101" pitchFamily="50" charset="-127"/>
+                <a:ea typeface="나눔바른고딕" panose="020B0603020101020101" pitchFamily="50" charset="-127"/>
+              </a:rPr>
+              <a:t>존재해야함</a:t>
+            </a:r>
+            <a:endParaRPr lang="en-US" altLang="ko-KR" sz="1400" dirty="0">
+              <a:latin typeface="나눔바른고딕" panose="020B0603020101020101" pitchFamily="50" charset="-127"/>
+              <a:ea typeface="나눔바른고딕" panose="020B0603020101020101" pitchFamily="50" charset="-127"/>
+            </a:endParaRPr>
+          </a:p>
+          <a:p>
+            <a:r>
+              <a:rPr lang="en-US" altLang="ko-KR" sz="1400" dirty="0" err="1">
+                <a:latin typeface="나눔바른고딕" panose="020B0603020101020101" pitchFamily="50" charset="-127"/>
+                <a:ea typeface="나눔바른고딕" panose="020B0603020101020101" pitchFamily="50" charset="-127"/>
+              </a:rPr>
+              <a:t>seeds.rb</a:t>
+            </a:r>
+            <a:r>
+              <a:rPr lang="en-US" altLang="ko-KR" sz="1400" dirty="0">
+                <a:latin typeface="나눔바른고딕" panose="020B0603020101020101" pitchFamily="50" charset="-127"/>
+                <a:ea typeface="나눔바른고딕" panose="020B0603020101020101" pitchFamily="50" charset="-127"/>
+              </a:rPr>
+              <a:t> </a:t>
+            </a:r>
+            <a:r>
+              <a:rPr lang="ko-KR" altLang="en-US" sz="1400" dirty="0">
+                <a:latin typeface="나눔바른고딕" panose="020B0603020101020101" pitchFamily="50" charset="-127"/>
+                <a:ea typeface="나눔바른고딕" panose="020B0603020101020101" pitchFamily="50" charset="-127"/>
+              </a:rPr>
+              <a:t>는 공용으로 사용할 </a:t>
+            </a:r>
+            <a:r>
+              <a:rPr lang="en-US" altLang="ko-KR" sz="1400" dirty="0">
+                <a:latin typeface="나눔바른고딕" panose="020B0603020101020101" pitchFamily="50" charset="-127"/>
+                <a:ea typeface="나눔바른고딕" panose="020B0603020101020101" pitchFamily="50" charset="-127"/>
+              </a:rPr>
+              <a:t>DB </a:t>
+            </a:r>
+            <a:r>
+              <a:rPr lang="ko-KR" altLang="en-US" sz="1400" dirty="0">
+                <a:latin typeface="나눔바른고딕" panose="020B0603020101020101" pitchFamily="50" charset="-127"/>
+                <a:ea typeface="나눔바른고딕" panose="020B0603020101020101" pitchFamily="50" charset="-127"/>
+              </a:rPr>
+              <a:t>미리 넣어 둘 파일</a:t>
+            </a:r>
+            <a:endParaRPr lang="en-US" altLang="ko-KR" sz="1400" dirty="0">
+              <a:latin typeface="나눔바른고딕" panose="020B0603020101020101" pitchFamily="50" charset="-127"/>
+              <a:ea typeface="나눔바른고딕" panose="020B0603020101020101" pitchFamily="50" charset="-127"/>
+            </a:endParaRPr>
+          </a:p>
+        </p:txBody>
+      </p:sp>
+      <p:sp>
+        <p:nvSpPr>
+          <p:cNvPr id="7" name="직사각형 6">
+            <a:extLst>
+              <a:ext uri="{FF2B5EF4-FFF2-40B4-BE49-F238E27FC236}">
+                <a16:creationId xmlns:a16="http://schemas.microsoft.com/office/drawing/2014/main" id="{0602696A-3E7E-4188-8524-FC2A98E87DFC}"/>
+              </a:ext>
+            </a:extLst>
+          </p:cNvPr>
+          <p:cNvSpPr/>
+          <p:nvPr/>
+        </p:nvSpPr>
+        <p:spPr>
+          <a:xfrm>
+            <a:off x="688930" y="1529459"/>
+            <a:ext cx="2066796" cy="261763"/>
+          </a:xfrm>
+          <a:prstGeom prst="rect">
+            <a:avLst/>
+          </a:prstGeom>
+          <a:solidFill>
+            <a:schemeClr val="accent4"/>
+          </a:solidFill>
+          <a:ln>
+            <a:noFill/>
+          </a:ln>
+        </p:spPr>
+        <p:style>
+          <a:lnRef idx="2">
+            <a:schemeClr val="accent1">
+              <a:shade val="50000"/>
+            </a:schemeClr>
+          </a:lnRef>
+          <a:fillRef idx="1">
+            <a:schemeClr val="accent1"/>
+          </a:fillRef>
+          <a:effectRef idx="0">
+            <a:schemeClr val="accent1"/>
+          </a:effectRef>
+          <a:fontRef idx="minor">
+            <a:schemeClr val="lt1"/>
+          </a:fontRef>
+        </p:style>
+        <p:txBody>
+          <a:bodyPr rtlCol="0" anchor="ctr"/>
+          <a:lstStyle/>
+          <a:p>
+            <a:pPr algn="ctr"/>
+            <a:endParaRPr lang="ko-KR" altLang="en-US"/>
+          </a:p>
+        </p:txBody>
+      </p:sp>
+      <p:sp>
+        <p:nvSpPr>
+          <p:cNvPr id="9" name="TextBox 8">
+            <a:extLst>
+              <a:ext uri="{FF2B5EF4-FFF2-40B4-BE49-F238E27FC236}">
+                <a16:creationId xmlns:a16="http://schemas.microsoft.com/office/drawing/2014/main" id="{38265B3E-86B0-4DB1-83EC-C7265BC70345}"/>
+              </a:ext>
+            </a:extLst>
+          </p:cNvPr>
+          <p:cNvSpPr txBox="1"/>
+          <p:nvPr/>
+        </p:nvSpPr>
+        <p:spPr>
+          <a:xfrm>
+            <a:off x="688930" y="1507750"/>
+            <a:ext cx="3565570" cy="738664"/>
+          </a:xfrm>
+          <a:prstGeom prst="rect">
+            <a:avLst/>
+          </a:prstGeom>
+          <a:noFill/>
+        </p:spPr>
+        <p:txBody>
+          <a:bodyPr wrap="square" rtlCol="0">
+            <a:spAutoFit/>
+          </a:bodyPr>
+          <a:lstStyle/>
+          <a:p>
+            <a:r>
+              <a:rPr lang="en-US" altLang="ko-KR" sz="1400" dirty="0">
+                <a:latin typeface="나눔바른고딕" panose="020B0603020101020101" pitchFamily="50" charset="-127"/>
+                <a:ea typeface="나눔바른고딕" panose="020B0603020101020101" pitchFamily="50" charset="-127"/>
+              </a:rPr>
+              <a:t>** rake</a:t>
+            </a:r>
+            <a:r>
+              <a:rPr lang="ko-KR" altLang="en-US" sz="1400" dirty="0">
+                <a:latin typeface="나눔바른고딕" panose="020B0603020101020101" pitchFamily="50" charset="-127"/>
+                <a:ea typeface="나눔바른고딕" panose="020B0603020101020101" pitchFamily="50" charset="-127"/>
+              </a:rPr>
+              <a:t> </a:t>
+            </a:r>
+            <a:r>
+              <a:rPr lang="en-US" altLang="ko-KR" sz="1400" dirty="0" err="1">
+                <a:latin typeface="나눔바른고딕" panose="020B0603020101020101" pitchFamily="50" charset="-127"/>
+                <a:ea typeface="나눔바른고딕" panose="020B0603020101020101" pitchFamily="50" charset="-127"/>
+              </a:rPr>
+              <a:t>db:drop</a:t>
+            </a:r>
+            <a:r>
+              <a:rPr lang="en-US" altLang="ko-KR" sz="1400" dirty="0">
+                <a:latin typeface="나눔바른고딕" panose="020B0603020101020101" pitchFamily="50" charset="-127"/>
+                <a:ea typeface="나눔바른고딕" panose="020B0603020101020101" pitchFamily="50" charset="-127"/>
+              </a:rPr>
+              <a:t>:_unsafe</a:t>
+            </a:r>
+          </a:p>
+          <a:p>
+            <a:endParaRPr lang="en-US" altLang="ko-KR" sz="1400" dirty="0">
+              <a:latin typeface="나눔바른고딕" panose="020B0603020101020101" pitchFamily="50" charset="-127"/>
+              <a:ea typeface="나눔바른고딕" panose="020B0603020101020101" pitchFamily="50" charset="-127"/>
+            </a:endParaRPr>
+          </a:p>
+          <a:p>
+            <a:r>
+              <a:rPr lang="ko-KR" altLang="en-US" sz="1400" dirty="0">
+                <a:latin typeface="나눔바른고딕" panose="020B0603020101020101" pitchFamily="50" charset="-127"/>
+                <a:ea typeface="나눔바른고딕" panose="020B0603020101020101" pitchFamily="50" charset="-127"/>
+              </a:rPr>
+              <a:t>혹은 </a:t>
+            </a:r>
+            <a:r>
+              <a:rPr lang="en-US" altLang="ko-KR" sz="1400" dirty="0" err="1">
+                <a:latin typeface="나눔바른고딕" panose="020B0603020101020101" pitchFamily="50" charset="-127"/>
+                <a:ea typeface="나눔바른고딕" panose="020B0603020101020101" pitchFamily="50" charset="-127"/>
+              </a:rPr>
+              <a:t>Schema.rb</a:t>
+            </a:r>
+            <a:r>
+              <a:rPr lang="en-US" altLang="ko-KR" sz="1400" dirty="0">
+                <a:latin typeface="나눔바른고딕" panose="020B0603020101020101" pitchFamily="50" charset="-127"/>
+                <a:ea typeface="나눔바른고딕" panose="020B0603020101020101" pitchFamily="50" charset="-127"/>
+              </a:rPr>
+              <a:t> / dev.sqlite3 </a:t>
+            </a:r>
+            <a:r>
+              <a:rPr lang="ko-KR" altLang="en-US" sz="1400" dirty="0">
+                <a:latin typeface="나눔바른고딕" panose="020B0603020101020101" pitchFamily="50" charset="-127"/>
+                <a:ea typeface="나눔바른고딕" panose="020B0603020101020101" pitchFamily="50" charset="-127"/>
+              </a:rPr>
+              <a:t>두개 파일 삭제</a:t>
+            </a:r>
+            <a:endParaRPr lang="en-US" altLang="ko-KR" sz="1400" dirty="0">
+              <a:latin typeface="나눔바른고딕" panose="020B0603020101020101" pitchFamily="50" charset="-127"/>
+              <a:ea typeface="나눔바른고딕" panose="020B0603020101020101" pitchFamily="50" charset="-127"/>
+            </a:endParaRPr>
+          </a:p>
+        </p:txBody>
+      </p:sp>
       <p:sp>
         <p:nvSpPr>
           <p:cNvPr id="18" name="직사각형 17">
@@ -6790,398 +7303,6 @@
           <a:p>
             <a:pPr algn="ctr"/>
             <a:endParaRPr lang="ko-KR" altLang="en-US"/>
-          </a:p>
-        </p:txBody>
-      </p:sp>
-      <p:sp>
-        <p:nvSpPr>
-          <p:cNvPr id="14" name="직사각형 13">
-            <a:extLst>
-              <a:ext uri="{FF2B5EF4-FFF2-40B4-BE49-F238E27FC236}">
-                <a16:creationId xmlns:a16="http://schemas.microsoft.com/office/drawing/2014/main" id="{53131EFC-C326-4FE7-BCCE-2F7481D538A4}"/>
-              </a:ext>
-            </a:extLst>
-          </p:cNvPr>
-          <p:cNvSpPr/>
-          <p:nvPr/>
-        </p:nvSpPr>
-        <p:spPr>
-          <a:xfrm>
-            <a:off x="688930" y="2748984"/>
-            <a:ext cx="1647870" cy="513092"/>
-          </a:xfrm>
-          <a:prstGeom prst="rect">
-            <a:avLst/>
-          </a:prstGeom>
-          <a:solidFill>
-            <a:schemeClr val="accent4"/>
-          </a:solidFill>
-          <a:ln>
-            <a:noFill/>
-          </a:ln>
-        </p:spPr>
-        <p:style>
-          <a:lnRef idx="2">
-            <a:schemeClr val="accent1">
-              <a:shade val="50000"/>
-            </a:schemeClr>
-          </a:lnRef>
-          <a:fillRef idx="1">
-            <a:schemeClr val="accent1"/>
-          </a:fillRef>
-          <a:effectRef idx="0">
-            <a:schemeClr val="accent1"/>
-          </a:effectRef>
-          <a:fontRef idx="minor">
-            <a:schemeClr val="lt1"/>
-          </a:fontRef>
-        </p:style>
-        <p:txBody>
-          <a:bodyPr rtlCol="0" anchor="ctr"/>
-          <a:lstStyle/>
-          <a:p>
-            <a:pPr algn="ctr"/>
-            <a:endParaRPr lang="ko-KR" altLang="en-US"/>
-          </a:p>
-        </p:txBody>
-      </p:sp>
-      <p:sp>
-        <p:nvSpPr>
-          <p:cNvPr id="15" name="TextBox 14">
-            <a:extLst>
-              <a:ext uri="{FF2B5EF4-FFF2-40B4-BE49-F238E27FC236}">
-                <a16:creationId xmlns:a16="http://schemas.microsoft.com/office/drawing/2014/main" id="{061F4F66-D88F-4C6E-8FC0-FA3B213C3230}"/>
-              </a:ext>
-            </a:extLst>
-          </p:cNvPr>
-          <p:cNvSpPr txBox="1"/>
-          <p:nvPr/>
-        </p:nvSpPr>
-        <p:spPr>
-          <a:xfrm>
-            <a:off x="688930" y="2748984"/>
-            <a:ext cx="5089570" cy="1169551"/>
-          </a:xfrm>
-          <a:prstGeom prst="rect">
-            <a:avLst/>
-          </a:prstGeom>
-          <a:noFill/>
-        </p:spPr>
-        <p:txBody>
-          <a:bodyPr wrap="square" rtlCol="0">
-            <a:spAutoFit/>
-          </a:bodyPr>
-          <a:lstStyle/>
-          <a:p>
-            <a:r>
-              <a:rPr lang="en-US" altLang="ko-KR" sz="1400" dirty="0">
-                <a:latin typeface="나눔바른고딕" panose="020B0603020101020101" pitchFamily="50" charset="-127"/>
-                <a:ea typeface="나눔바른고딕" panose="020B0603020101020101" pitchFamily="50" charset="-127"/>
-              </a:rPr>
-              <a:t>** rake</a:t>
-            </a:r>
-            <a:r>
-              <a:rPr lang="ko-KR" altLang="en-US" sz="1400" dirty="0">
-                <a:latin typeface="나눔바른고딕" panose="020B0603020101020101" pitchFamily="50" charset="-127"/>
-                <a:ea typeface="나눔바른고딕" panose="020B0603020101020101" pitchFamily="50" charset="-127"/>
-              </a:rPr>
-              <a:t> </a:t>
-            </a:r>
-            <a:r>
-              <a:rPr lang="en-US" altLang="ko-KR" sz="1400" dirty="0" err="1">
-                <a:latin typeface="나눔바른고딕" panose="020B0603020101020101" pitchFamily="50" charset="-127"/>
-                <a:ea typeface="나눔바른고딕" panose="020B0603020101020101" pitchFamily="50" charset="-127"/>
-              </a:rPr>
-              <a:t>db:migrate</a:t>
-            </a:r>
-            <a:endParaRPr lang="en-US" altLang="ko-KR" sz="1400" dirty="0">
-              <a:latin typeface="나눔바른고딕" panose="020B0603020101020101" pitchFamily="50" charset="-127"/>
-              <a:ea typeface="나눔바른고딕" panose="020B0603020101020101" pitchFamily="50" charset="-127"/>
-            </a:endParaRPr>
-          </a:p>
-          <a:p>
-            <a:r>
-              <a:rPr lang="en-US" altLang="ko-KR" sz="1400" dirty="0">
-                <a:latin typeface="나눔바른고딕" panose="020B0603020101020101" pitchFamily="50" charset="-127"/>
-                <a:ea typeface="나눔바른고딕" panose="020B0603020101020101" pitchFamily="50" charset="-127"/>
-              </a:rPr>
-              <a:t>** rake </a:t>
-            </a:r>
-            <a:r>
-              <a:rPr lang="en-US" altLang="ko-KR" sz="1400" dirty="0" err="1">
-                <a:latin typeface="나눔바른고딕" panose="020B0603020101020101" pitchFamily="50" charset="-127"/>
-                <a:ea typeface="나눔바른고딕" panose="020B0603020101020101" pitchFamily="50" charset="-127"/>
-              </a:rPr>
-              <a:t>db:seed</a:t>
-            </a:r>
-            <a:endParaRPr lang="en-US" altLang="ko-KR" sz="1400" dirty="0">
-              <a:latin typeface="나눔바른고딕" panose="020B0603020101020101" pitchFamily="50" charset="-127"/>
-              <a:ea typeface="나눔바른고딕" panose="020B0603020101020101" pitchFamily="50" charset="-127"/>
-            </a:endParaRPr>
-          </a:p>
-          <a:p>
-            <a:endParaRPr lang="en-US" altLang="ko-KR" sz="1400" dirty="0">
-              <a:latin typeface="나눔바른고딕" panose="020B0603020101020101" pitchFamily="50" charset="-127"/>
-              <a:ea typeface="나눔바른고딕" panose="020B0603020101020101" pitchFamily="50" charset="-127"/>
-            </a:endParaRPr>
-          </a:p>
-          <a:p>
-            <a:r>
-              <a:rPr lang="ko-KR" altLang="en-US" sz="1400" dirty="0">
-                <a:latin typeface="나눔바른고딕" panose="020B0603020101020101" pitchFamily="50" charset="-127"/>
-                <a:ea typeface="나눔바른고딕" panose="020B0603020101020101" pitchFamily="50" charset="-127"/>
-              </a:rPr>
-              <a:t>이 때 </a:t>
-            </a:r>
-            <a:r>
-              <a:rPr lang="en-US" altLang="ko-KR" sz="1400">
-                <a:latin typeface="나눔바른고딕" panose="020B0603020101020101" pitchFamily="50" charset="-127"/>
-                <a:ea typeface="나눔바른고딕" panose="020B0603020101020101" pitchFamily="50" charset="-127"/>
-              </a:rPr>
-              <a:t>seeds.</a:t>
-            </a:r>
-            <a:r>
-              <a:rPr lang="en-US" altLang="ko-KR" sz="1400" dirty="0" err="1">
-                <a:latin typeface="나눔바른고딕" panose="020B0603020101020101" pitchFamily="50" charset="-127"/>
-                <a:ea typeface="나눔바른고딕" panose="020B0603020101020101" pitchFamily="50" charset="-127"/>
-              </a:rPr>
-              <a:t>rb</a:t>
-            </a:r>
-            <a:r>
-              <a:rPr lang="ko-KR" altLang="en-US" sz="1400" dirty="0">
-                <a:latin typeface="나눔바른고딕" panose="020B0603020101020101" pitchFamily="50" charset="-127"/>
-                <a:ea typeface="나눔바른고딕" panose="020B0603020101020101" pitchFamily="50" charset="-127"/>
-              </a:rPr>
-              <a:t>는 </a:t>
-            </a:r>
-            <a:r>
-              <a:rPr lang="en-US" altLang="ko-KR" sz="1400" dirty="0">
-                <a:latin typeface="나눔바른고딕" panose="020B0603020101020101" pitchFamily="50" charset="-127"/>
-                <a:ea typeface="나눔바른고딕" panose="020B0603020101020101" pitchFamily="50" charset="-127"/>
-              </a:rPr>
-              <a:t>barogagi1gibateam/</a:t>
-            </a:r>
-            <a:r>
-              <a:rPr lang="en-US" altLang="ko-KR" sz="1400" dirty="0" err="1">
-                <a:latin typeface="나눔바른고딕" panose="020B0603020101020101" pitchFamily="50" charset="-127"/>
-                <a:ea typeface="나눔바른고딕" panose="020B0603020101020101" pitchFamily="50" charset="-127"/>
-              </a:rPr>
-              <a:t>db</a:t>
-            </a:r>
-            <a:r>
-              <a:rPr lang="en-US" altLang="ko-KR" sz="1400" dirty="0">
-                <a:latin typeface="나눔바른고딕" panose="020B0603020101020101" pitchFamily="50" charset="-127"/>
-                <a:ea typeface="나눔바른고딕" panose="020B0603020101020101" pitchFamily="50" charset="-127"/>
-              </a:rPr>
-              <a:t>/ </a:t>
-            </a:r>
-            <a:r>
-              <a:rPr lang="ko-KR" altLang="en-US" sz="1400" dirty="0">
-                <a:latin typeface="나눔바른고딕" panose="020B0603020101020101" pitchFamily="50" charset="-127"/>
-                <a:ea typeface="나눔바른고딕" panose="020B0603020101020101" pitchFamily="50" charset="-127"/>
-              </a:rPr>
-              <a:t>안에 </a:t>
-            </a:r>
-            <a:r>
-              <a:rPr lang="ko-KR" altLang="en-US" sz="1400" dirty="0" err="1">
-                <a:latin typeface="나눔바른고딕" panose="020B0603020101020101" pitchFamily="50" charset="-127"/>
-                <a:ea typeface="나눔바른고딕" panose="020B0603020101020101" pitchFamily="50" charset="-127"/>
-              </a:rPr>
-              <a:t>존재해야함</a:t>
-            </a:r>
-            <a:endParaRPr lang="en-US" altLang="ko-KR" sz="1400" dirty="0">
-              <a:latin typeface="나눔바른고딕" panose="020B0603020101020101" pitchFamily="50" charset="-127"/>
-              <a:ea typeface="나눔바른고딕" panose="020B0603020101020101" pitchFamily="50" charset="-127"/>
-            </a:endParaRPr>
-          </a:p>
-          <a:p>
-            <a:r>
-              <a:rPr lang="en-US" altLang="ko-KR" sz="1400" dirty="0" err="1">
-                <a:latin typeface="나눔바른고딕" panose="020B0603020101020101" pitchFamily="50" charset="-127"/>
-                <a:ea typeface="나눔바른고딕" panose="020B0603020101020101" pitchFamily="50" charset="-127"/>
-              </a:rPr>
-              <a:t>seeds.rb</a:t>
-            </a:r>
-            <a:r>
-              <a:rPr lang="en-US" altLang="ko-KR" sz="1400" dirty="0">
-                <a:latin typeface="나눔바른고딕" panose="020B0603020101020101" pitchFamily="50" charset="-127"/>
-                <a:ea typeface="나눔바른고딕" panose="020B0603020101020101" pitchFamily="50" charset="-127"/>
-              </a:rPr>
-              <a:t> </a:t>
-            </a:r>
-            <a:r>
-              <a:rPr lang="ko-KR" altLang="en-US" sz="1400" dirty="0">
-                <a:latin typeface="나눔바른고딕" panose="020B0603020101020101" pitchFamily="50" charset="-127"/>
-                <a:ea typeface="나눔바른고딕" panose="020B0603020101020101" pitchFamily="50" charset="-127"/>
-              </a:rPr>
-              <a:t>는 공용으로 사용할 </a:t>
-            </a:r>
-            <a:r>
-              <a:rPr lang="en-US" altLang="ko-KR" sz="1400" dirty="0">
-                <a:latin typeface="나눔바른고딕" panose="020B0603020101020101" pitchFamily="50" charset="-127"/>
-                <a:ea typeface="나눔바른고딕" panose="020B0603020101020101" pitchFamily="50" charset="-127"/>
-              </a:rPr>
-              <a:t>DB </a:t>
-            </a:r>
-            <a:r>
-              <a:rPr lang="ko-KR" altLang="en-US" sz="1400" dirty="0">
-                <a:latin typeface="나눔바른고딕" panose="020B0603020101020101" pitchFamily="50" charset="-127"/>
-                <a:ea typeface="나눔바른고딕" panose="020B0603020101020101" pitchFamily="50" charset="-127"/>
-              </a:rPr>
-              <a:t>미리 넣어 둘 파일</a:t>
-            </a:r>
-            <a:endParaRPr lang="en-US" altLang="ko-KR" sz="1400" dirty="0">
-              <a:latin typeface="나눔바른고딕" panose="020B0603020101020101" pitchFamily="50" charset="-127"/>
-              <a:ea typeface="나눔바른고딕" panose="020B0603020101020101" pitchFamily="50" charset="-127"/>
-            </a:endParaRPr>
-          </a:p>
-        </p:txBody>
-      </p:sp>
-      <p:sp>
-        <p:nvSpPr>
-          <p:cNvPr id="7" name="직사각형 6">
-            <a:extLst>
-              <a:ext uri="{FF2B5EF4-FFF2-40B4-BE49-F238E27FC236}">
-                <a16:creationId xmlns:a16="http://schemas.microsoft.com/office/drawing/2014/main" id="{0602696A-3E7E-4188-8524-FC2A98E87DFC}"/>
-              </a:ext>
-            </a:extLst>
-          </p:cNvPr>
-          <p:cNvSpPr/>
-          <p:nvPr/>
-        </p:nvSpPr>
-        <p:spPr>
-          <a:xfrm>
-            <a:off x="688930" y="1529459"/>
-            <a:ext cx="1444670" cy="275170"/>
-          </a:xfrm>
-          <a:prstGeom prst="rect">
-            <a:avLst/>
-          </a:prstGeom>
-          <a:solidFill>
-            <a:schemeClr val="accent4"/>
-          </a:solidFill>
-          <a:ln>
-            <a:noFill/>
-          </a:ln>
-        </p:spPr>
-        <p:style>
-          <a:lnRef idx="2">
-            <a:schemeClr val="accent1">
-              <a:shade val="50000"/>
-            </a:schemeClr>
-          </a:lnRef>
-          <a:fillRef idx="1">
-            <a:schemeClr val="accent1"/>
-          </a:fillRef>
-          <a:effectRef idx="0">
-            <a:schemeClr val="accent1"/>
-          </a:effectRef>
-          <a:fontRef idx="minor">
-            <a:schemeClr val="lt1"/>
-          </a:fontRef>
-        </p:style>
-        <p:txBody>
-          <a:bodyPr rtlCol="0" anchor="ctr"/>
-          <a:lstStyle/>
-          <a:p>
-            <a:pPr algn="ctr"/>
-            <a:endParaRPr lang="ko-KR" altLang="en-US"/>
-          </a:p>
-        </p:txBody>
-      </p:sp>
-      <p:sp>
-        <p:nvSpPr>
-          <p:cNvPr id="9" name="TextBox 8">
-            <a:extLst>
-              <a:ext uri="{FF2B5EF4-FFF2-40B4-BE49-F238E27FC236}">
-                <a16:creationId xmlns:a16="http://schemas.microsoft.com/office/drawing/2014/main" id="{38265B3E-86B0-4DB1-83EC-C7265BC70345}"/>
-              </a:ext>
-            </a:extLst>
-          </p:cNvPr>
-          <p:cNvSpPr txBox="1"/>
-          <p:nvPr/>
-        </p:nvSpPr>
-        <p:spPr>
-          <a:xfrm>
-            <a:off x="688930" y="1507750"/>
-            <a:ext cx="3565570" cy="738664"/>
-          </a:xfrm>
-          <a:prstGeom prst="rect">
-            <a:avLst/>
-          </a:prstGeom>
-          <a:noFill/>
-        </p:spPr>
-        <p:txBody>
-          <a:bodyPr wrap="square" rtlCol="0">
-            <a:spAutoFit/>
-          </a:bodyPr>
-          <a:lstStyle/>
-          <a:p>
-            <a:r>
-              <a:rPr lang="en-US" altLang="ko-KR" sz="1400" dirty="0">
-                <a:latin typeface="나눔바른고딕" panose="020B0603020101020101" pitchFamily="50" charset="-127"/>
-                <a:ea typeface="나눔바른고딕" panose="020B0603020101020101" pitchFamily="50" charset="-127"/>
-              </a:rPr>
-              <a:t>** rake</a:t>
-            </a:r>
-            <a:r>
-              <a:rPr lang="ko-KR" altLang="en-US" sz="1400" dirty="0">
-                <a:latin typeface="나눔바른고딕" panose="020B0603020101020101" pitchFamily="50" charset="-127"/>
-                <a:ea typeface="나눔바른고딕" panose="020B0603020101020101" pitchFamily="50" charset="-127"/>
-              </a:rPr>
-              <a:t> </a:t>
-            </a:r>
-            <a:r>
-              <a:rPr lang="en-US" altLang="ko-KR" sz="1400" dirty="0" err="1">
-                <a:latin typeface="나눔바른고딕" panose="020B0603020101020101" pitchFamily="50" charset="-127"/>
-                <a:ea typeface="나눔바른고딕" panose="020B0603020101020101" pitchFamily="50" charset="-127"/>
-              </a:rPr>
-              <a:t>db:drop</a:t>
-            </a:r>
-            <a:endParaRPr lang="en-US" altLang="ko-KR" sz="1400" dirty="0">
-              <a:latin typeface="나눔바른고딕" panose="020B0603020101020101" pitchFamily="50" charset="-127"/>
-              <a:ea typeface="나눔바른고딕" panose="020B0603020101020101" pitchFamily="50" charset="-127"/>
-            </a:endParaRPr>
-          </a:p>
-          <a:p>
-            <a:endParaRPr lang="en-US" altLang="ko-KR" sz="1400" dirty="0">
-              <a:latin typeface="나눔바른고딕" panose="020B0603020101020101" pitchFamily="50" charset="-127"/>
-              <a:ea typeface="나눔바른고딕" panose="020B0603020101020101" pitchFamily="50" charset="-127"/>
-            </a:endParaRPr>
-          </a:p>
-          <a:p>
-            <a:r>
-              <a:rPr lang="ko-KR" altLang="en-US" sz="1400" dirty="0">
-                <a:latin typeface="나눔바른고딕" panose="020B0603020101020101" pitchFamily="50" charset="-127"/>
-                <a:ea typeface="나눔바른고딕" panose="020B0603020101020101" pitchFamily="50" charset="-127"/>
-              </a:rPr>
-              <a:t>혹은 </a:t>
-            </a:r>
-            <a:r>
-              <a:rPr lang="en-US" altLang="ko-KR" sz="1400" dirty="0" err="1">
-                <a:latin typeface="나눔바른고딕" panose="020B0603020101020101" pitchFamily="50" charset="-127"/>
-                <a:ea typeface="나눔바른고딕" panose="020B0603020101020101" pitchFamily="50" charset="-127"/>
-              </a:rPr>
-              <a:t>Schema.rb</a:t>
-            </a:r>
-            <a:r>
-              <a:rPr lang="en-US" altLang="ko-KR" sz="1400" dirty="0">
-                <a:latin typeface="나눔바른고딕" panose="020B0603020101020101" pitchFamily="50" charset="-127"/>
-                <a:ea typeface="나눔바른고딕" panose="020B0603020101020101" pitchFamily="50" charset="-127"/>
-              </a:rPr>
-              <a:t> / dev.sqlite3 </a:t>
-            </a:r>
-            <a:r>
-              <a:rPr lang="ko-KR" altLang="en-US" sz="1400" dirty="0">
-                <a:latin typeface="나눔바른고딕" panose="020B0603020101020101" pitchFamily="50" charset="-127"/>
-                <a:ea typeface="나눔바른고딕" panose="020B0603020101020101" pitchFamily="50" charset="-127"/>
-              </a:rPr>
-              <a:t>두개 파일 삭제</a:t>
-            </a:r>
-            <a:endParaRPr lang="en-US" altLang="ko-KR" sz="1400" dirty="0">
-              <a:latin typeface="나눔바른고딕" panose="020B0603020101020101" pitchFamily="50" charset="-127"/>
-              <a:ea typeface="나눔바른고딕" panose="020B0603020101020101" pitchFamily="50" charset="-127"/>
-            </a:endParaRPr>
           </a:p>
         </p:txBody>
       </p:sp>
@@ -8531,6 +8652,585 @@
           <a:chExt cx="0" cy="0"/>
         </a:xfrm>
       </p:grpSpPr>
+      <p:sp>
+        <p:nvSpPr>
+          <p:cNvPr id="17" name="직사각형 16">
+            <a:extLst>
+              <a:ext uri="{FF2B5EF4-FFF2-40B4-BE49-F238E27FC236}">
+                <a16:creationId xmlns:a16="http://schemas.microsoft.com/office/drawing/2014/main" id="{07DE263F-9315-409F-988B-EF97A81BB604}"/>
+              </a:ext>
+            </a:extLst>
+          </p:cNvPr>
+          <p:cNvSpPr/>
+          <p:nvPr/>
+        </p:nvSpPr>
+        <p:spPr>
+          <a:xfrm>
+            <a:off x="688930" y="2355741"/>
+            <a:ext cx="2587670" cy="3190748"/>
+          </a:xfrm>
+          <a:prstGeom prst="rect">
+            <a:avLst/>
+          </a:prstGeom>
+          <a:solidFill>
+            <a:srgbClr val="91D6F9"/>
+          </a:solidFill>
+          <a:ln>
+            <a:noFill/>
+          </a:ln>
+        </p:spPr>
+        <p:style>
+          <a:lnRef idx="2">
+            <a:schemeClr val="accent1">
+              <a:shade val="50000"/>
+            </a:schemeClr>
+          </a:lnRef>
+          <a:fillRef idx="1">
+            <a:schemeClr val="accent1"/>
+          </a:fillRef>
+          <a:effectRef idx="0">
+            <a:schemeClr val="accent1"/>
+          </a:effectRef>
+          <a:fontRef idx="minor">
+            <a:schemeClr val="lt1"/>
+          </a:fontRef>
+        </p:style>
+        <p:txBody>
+          <a:bodyPr rtlCol="0" anchor="ctr"/>
+          <a:lstStyle/>
+          <a:p>
+            <a:pPr algn="ctr"/>
+            <a:endParaRPr lang="ko-KR" altLang="en-US"/>
+          </a:p>
+        </p:txBody>
+      </p:sp>
+      <p:sp>
+        <p:nvSpPr>
+          <p:cNvPr id="4" name="TextBox 3">
+            <a:extLst>
+              <a:ext uri="{FF2B5EF4-FFF2-40B4-BE49-F238E27FC236}">
+                <a16:creationId xmlns:a16="http://schemas.microsoft.com/office/drawing/2014/main" id="{7B78CF19-45F4-43C4-A679-5D619038EDD3}"/>
+              </a:ext>
+            </a:extLst>
+          </p:cNvPr>
+          <p:cNvSpPr txBox="1"/>
+          <p:nvPr/>
+        </p:nvSpPr>
+        <p:spPr>
+          <a:xfrm>
+            <a:off x="688930" y="1311511"/>
+            <a:ext cx="6099047" cy="307777"/>
+          </a:xfrm>
+          <a:prstGeom prst="rect">
+            <a:avLst/>
+          </a:prstGeom>
+          <a:noFill/>
+        </p:spPr>
+        <p:txBody>
+          <a:bodyPr wrap="square" rtlCol="0">
+            <a:spAutoFit/>
+          </a:bodyPr>
+          <a:lstStyle/>
+          <a:p>
+            <a:r>
+              <a:rPr lang="ko-KR" altLang="en-US" sz="1400" dirty="0">
+                <a:latin typeface="나눔바른고딕" panose="020B0603020101020101" pitchFamily="50" charset="-127"/>
+                <a:ea typeface="나눔바른고딕" panose="020B0603020101020101" pitchFamily="50" charset="-127"/>
+              </a:rPr>
+              <a:t>나중에 </a:t>
+            </a:r>
+            <a:r>
+              <a:rPr lang="en-US" altLang="ko-KR" sz="1400" dirty="0">
+                <a:latin typeface="나눔바른고딕" panose="020B0603020101020101" pitchFamily="50" charset="-127"/>
+                <a:ea typeface="나눔바른고딕" panose="020B0603020101020101" pitchFamily="50" charset="-127"/>
+              </a:rPr>
+              <a:t>DB</a:t>
+            </a:r>
+            <a:r>
+              <a:rPr lang="ko-KR" altLang="en-US" sz="1400" dirty="0">
+                <a:latin typeface="나눔바른고딕" panose="020B0603020101020101" pitchFamily="50" charset="-127"/>
+                <a:ea typeface="나눔바른고딕" panose="020B0603020101020101" pitchFamily="50" charset="-127"/>
+              </a:rPr>
+              <a:t>도 결국 </a:t>
+            </a:r>
+            <a:r>
+              <a:rPr lang="en-US" altLang="ko-KR" sz="1400" dirty="0" err="1">
+                <a:latin typeface="나눔바른고딕" panose="020B0603020101020101" pitchFamily="50" charset="-127"/>
+                <a:ea typeface="나눔바른고딕" panose="020B0603020101020101" pitchFamily="50" charset="-127"/>
+              </a:rPr>
+              <a:t>heroku</a:t>
+            </a:r>
+            <a:r>
+              <a:rPr lang="ko-KR" altLang="en-US" sz="1400" dirty="0">
+                <a:latin typeface="나눔바른고딕" panose="020B0603020101020101" pitchFamily="50" charset="-127"/>
+                <a:ea typeface="나눔바른고딕" panose="020B0603020101020101" pitchFamily="50" charset="-127"/>
+              </a:rPr>
+              <a:t>에서 해야 하기 때문에</a:t>
+            </a:r>
+            <a:r>
+              <a:rPr lang="en-US" altLang="ko-KR" sz="1400" dirty="0">
+                <a:latin typeface="나눔바른고딕" panose="020B0603020101020101" pitchFamily="50" charset="-127"/>
+                <a:ea typeface="나눔바른고딕" panose="020B0603020101020101" pitchFamily="50" charset="-127"/>
+              </a:rPr>
+              <a:t> Server + Heroku </a:t>
+            </a:r>
+            <a:r>
+              <a:rPr lang="ko-KR" altLang="en-US" sz="1400" dirty="0">
+                <a:latin typeface="나눔바른고딕" panose="020B0603020101020101" pitchFamily="50" charset="-127"/>
+                <a:ea typeface="나눔바른고딕" panose="020B0603020101020101" pitchFamily="50" charset="-127"/>
+              </a:rPr>
+              <a:t>싱크를 맞추자</a:t>
+            </a:r>
+            <a:endParaRPr lang="en-US" altLang="ko-KR" sz="1400" dirty="0">
+              <a:latin typeface="나눔바른고딕" panose="020B0603020101020101" pitchFamily="50" charset="-127"/>
+              <a:ea typeface="나눔바른고딕" panose="020B0603020101020101" pitchFamily="50" charset="-127"/>
+            </a:endParaRPr>
+          </a:p>
+        </p:txBody>
+      </p:sp>
+      <p:sp>
+        <p:nvSpPr>
+          <p:cNvPr id="5" name="TextBox 4">
+            <a:extLst>
+              <a:ext uri="{FF2B5EF4-FFF2-40B4-BE49-F238E27FC236}">
+                <a16:creationId xmlns:a16="http://schemas.microsoft.com/office/drawing/2014/main" id="{F570486B-281C-4781-98BA-404553CA6074}"/>
+              </a:ext>
+            </a:extLst>
+          </p:cNvPr>
+          <p:cNvSpPr txBox="1"/>
+          <p:nvPr/>
+        </p:nvSpPr>
+        <p:spPr>
+          <a:xfrm>
+            <a:off x="688931" y="751562"/>
+            <a:ext cx="3920647" cy="369332"/>
+          </a:xfrm>
+          <a:prstGeom prst="rect">
+            <a:avLst/>
+          </a:prstGeom>
+          <a:noFill/>
+        </p:spPr>
+        <p:txBody>
+          <a:bodyPr wrap="square" rtlCol="0">
+            <a:spAutoFit/>
+          </a:bodyPr>
+          <a:lstStyle/>
+          <a:p>
+            <a:r>
+              <a:rPr lang="en-US" altLang="ko-KR" dirty="0">
+                <a:latin typeface="나눔바른고딕" panose="020B0603020101020101" pitchFamily="50" charset="-127"/>
+                <a:ea typeface="나눔바른고딕" panose="020B0603020101020101" pitchFamily="50" charset="-127"/>
+              </a:rPr>
+              <a:t>Heroku</a:t>
+            </a:r>
+            <a:endParaRPr lang="ko-KR" altLang="en-US" dirty="0">
+              <a:latin typeface="나눔바른고딕" panose="020B0603020101020101" pitchFamily="50" charset="-127"/>
+              <a:ea typeface="나눔바른고딕" panose="020B0603020101020101" pitchFamily="50" charset="-127"/>
+            </a:endParaRPr>
+          </a:p>
+        </p:txBody>
+      </p:sp>
+      <p:sp>
+        <p:nvSpPr>
+          <p:cNvPr id="11" name="TextBox 10">
+            <a:extLst>
+              <a:ext uri="{FF2B5EF4-FFF2-40B4-BE49-F238E27FC236}">
+                <a16:creationId xmlns:a16="http://schemas.microsoft.com/office/drawing/2014/main" id="{2D043554-11FC-4EFB-BB76-A7C22AF1F8E5}"/>
+              </a:ext>
+            </a:extLst>
+          </p:cNvPr>
+          <p:cNvSpPr txBox="1"/>
+          <p:nvPr/>
+        </p:nvSpPr>
+        <p:spPr>
+          <a:xfrm>
+            <a:off x="5298508" y="2868833"/>
+            <a:ext cx="4838659" cy="1815882"/>
+          </a:xfrm>
+          <a:prstGeom prst="rect">
+            <a:avLst/>
+          </a:prstGeom>
+          <a:noFill/>
+        </p:spPr>
+        <p:txBody>
+          <a:bodyPr wrap="square" rtlCol="0">
+            <a:spAutoFit/>
+          </a:bodyPr>
+          <a:lstStyle/>
+          <a:p>
+            <a:r>
+              <a:rPr lang="en-US" altLang="ko-KR" sz="1400" dirty="0">
+                <a:latin typeface="나눔바른고딕" panose="020B0603020101020101" pitchFamily="50" charset="-127"/>
+                <a:ea typeface="나눔바른고딕" panose="020B0603020101020101" pitchFamily="50" charset="-127"/>
+              </a:rPr>
+              <a:t>Git</a:t>
+            </a:r>
+            <a:r>
+              <a:rPr lang="ko-KR" altLang="en-US" sz="1400" dirty="0">
+                <a:latin typeface="나눔바른고딕" panose="020B0603020101020101" pitchFamily="50" charset="-127"/>
+                <a:ea typeface="나눔바른고딕" panose="020B0603020101020101" pitchFamily="50" charset="-127"/>
+              </a:rPr>
+              <a:t>이랑 비교 </a:t>
+            </a:r>
+            <a:r>
+              <a:rPr lang="en-US" altLang="ko-KR" sz="1400" dirty="0">
+                <a:latin typeface="나눔바른고딕" panose="020B0603020101020101" pitchFamily="50" charset="-127"/>
+                <a:ea typeface="나눔바른고딕" panose="020B0603020101020101" pitchFamily="50" charset="-127"/>
+              </a:rPr>
+              <a:t>-  </a:t>
+            </a:r>
+          </a:p>
+          <a:p>
+            <a:endParaRPr lang="en-US" altLang="ko-KR" sz="1400" dirty="0">
+              <a:latin typeface="나눔바른고딕" panose="020B0603020101020101" pitchFamily="50" charset="-127"/>
+              <a:ea typeface="나눔바른고딕" panose="020B0603020101020101" pitchFamily="50" charset="-127"/>
+            </a:endParaRPr>
+          </a:p>
+          <a:p>
+            <a:r>
+              <a:rPr lang="en-US" altLang="ko-KR" sz="1400" dirty="0">
+                <a:latin typeface="나눔바른고딕" panose="020B0603020101020101" pitchFamily="50" charset="-127"/>
+                <a:ea typeface="나눔바른고딕" panose="020B0603020101020101" pitchFamily="50" charset="-127"/>
+              </a:rPr>
+              <a:t>git </a:t>
+            </a:r>
+            <a:r>
+              <a:rPr lang="en-US" altLang="ko-KR" sz="1400" dirty="0" err="1">
+                <a:latin typeface="나눔바른고딕" panose="020B0603020101020101" pitchFamily="50" charset="-127"/>
+                <a:ea typeface="나눔바른고딕" panose="020B0603020101020101" pitchFamily="50" charset="-127"/>
+              </a:rPr>
+              <a:t>init</a:t>
+            </a:r>
+            <a:endParaRPr lang="en-US" altLang="ko-KR" sz="1400" dirty="0">
+              <a:latin typeface="나눔바른고딕" panose="020B0603020101020101" pitchFamily="50" charset="-127"/>
+              <a:ea typeface="나눔바른고딕" panose="020B0603020101020101" pitchFamily="50" charset="-127"/>
+            </a:endParaRPr>
+          </a:p>
+          <a:p>
+            <a:r>
+              <a:rPr lang="en-US" altLang="ko-KR" sz="1400" dirty="0">
+                <a:latin typeface="나눔바른고딕" panose="020B0603020101020101" pitchFamily="50" charset="-127"/>
+                <a:ea typeface="나눔바른고딕" panose="020B0603020101020101" pitchFamily="50" charset="-127"/>
+              </a:rPr>
+              <a:t>git clone /*repository*/</a:t>
+            </a:r>
+          </a:p>
+          <a:p>
+            <a:endParaRPr lang="en-US" altLang="ko-KR" sz="1400" dirty="0">
+              <a:latin typeface="나눔바른고딕" panose="020B0603020101020101" pitchFamily="50" charset="-127"/>
+              <a:ea typeface="나눔바른고딕" panose="020B0603020101020101" pitchFamily="50" charset="-127"/>
+            </a:endParaRPr>
+          </a:p>
+          <a:p>
+            <a:r>
+              <a:rPr lang="en-US" altLang="ko-KR" sz="1400" dirty="0">
+                <a:latin typeface="나눔바른고딕" panose="020B0603020101020101" pitchFamily="50" charset="-127"/>
+                <a:ea typeface="나눔바른고딕" panose="020B0603020101020101" pitchFamily="50" charset="-127"/>
+              </a:rPr>
+              <a:t>git add .</a:t>
+            </a:r>
+          </a:p>
+          <a:p>
+            <a:r>
+              <a:rPr lang="en-US" altLang="ko-KR" sz="1400" dirty="0">
+                <a:latin typeface="나눔바른고딕" panose="020B0603020101020101" pitchFamily="50" charset="-127"/>
+                <a:ea typeface="나눔바른고딕" panose="020B0603020101020101" pitchFamily="50" charset="-127"/>
+              </a:rPr>
+              <a:t>git commit –am “message”</a:t>
+            </a:r>
+          </a:p>
+          <a:p>
+            <a:r>
+              <a:rPr lang="en-US" altLang="ko-KR" sz="1400" dirty="0">
+                <a:latin typeface="나눔바른고딕" panose="020B0603020101020101" pitchFamily="50" charset="-127"/>
+                <a:ea typeface="나눔바른고딕" panose="020B0603020101020101" pitchFamily="50" charset="-127"/>
+              </a:rPr>
+              <a:t>git push origin master</a:t>
+            </a:r>
+          </a:p>
+        </p:txBody>
+      </p:sp>
+      <p:sp>
+        <p:nvSpPr>
+          <p:cNvPr id="16" name="TextBox 15">
+            <a:extLst>
+              <a:ext uri="{FF2B5EF4-FFF2-40B4-BE49-F238E27FC236}">
+                <a16:creationId xmlns:a16="http://schemas.microsoft.com/office/drawing/2014/main" id="{0D38EEF0-EED6-4362-8437-4964AE04AF16}"/>
+              </a:ext>
+            </a:extLst>
+          </p:cNvPr>
+          <p:cNvSpPr txBox="1"/>
+          <p:nvPr/>
+        </p:nvSpPr>
+        <p:spPr>
+          <a:xfrm>
+            <a:off x="688930" y="2007059"/>
+            <a:ext cx="4838659" cy="3539430"/>
+          </a:xfrm>
+          <a:prstGeom prst="rect">
+            <a:avLst/>
+          </a:prstGeom>
+          <a:noFill/>
+        </p:spPr>
+        <p:txBody>
+          <a:bodyPr wrap="square" rtlCol="0">
+            <a:spAutoFit/>
+          </a:bodyPr>
+          <a:lstStyle/>
+          <a:p>
+            <a:r>
+              <a:rPr lang="en-US" altLang="ko-KR" sz="1400" dirty="0">
+                <a:latin typeface="나눔바른고딕" panose="020B0603020101020101" pitchFamily="50" charset="-127"/>
+                <a:ea typeface="나눔바른고딕" panose="020B0603020101020101" pitchFamily="50" charset="-127"/>
+              </a:rPr>
+              <a:t>Heroku </a:t>
+            </a:r>
+          </a:p>
+          <a:p>
+            <a:endParaRPr lang="en-US" altLang="ko-KR" sz="1400" dirty="0">
+              <a:latin typeface="나눔바른고딕" panose="020B0603020101020101" pitchFamily="50" charset="-127"/>
+              <a:ea typeface="나눔바른고딕" panose="020B0603020101020101" pitchFamily="50" charset="-127"/>
+            </a:endParaRPr>
+          </a:p>
+          <a:p>
+            <a:r>
+              <a:rPr lang="en-US" altLang="ko-KR" sz="1400" dirty="0">
+                <a:latin typeface="나눔바른고딕" panose="020B0603020101020101" pitchFamily="50" charset="-127"/>
+                <a:ea typeface="나눔바른고딕" panose="020B0603020101020101" pitchFamily="50" charset="-127"/>
+              </a:rPr>
+              <a:t>git </a:t>
+            </a:r>
+            <a:r>
+              <a:rPr lang="en-US" altLang="ko-KR" sz="1400" dirty="0" err="1">
+                <a:latin typeface="나눔바른고딕" panose="020B0603020101020101" pitchFamily="50" charset="-127"/>
+                <a:ea typeface="나눔바른고딕" panose="020B0603020101020101" pitchFamily="50" charset="-127"/>
+              </a:rPr>
+              <a:t>init</a:t>
+            </a:r>
+            <a:endParaRPr lang="en-US" altLang="ko-KR" sz="1400" dirty="0">
+              <a:latin typeface="나눔바른고딕" panose="020B0603020101020101" pitchFamily="50" charset="-127"/>
+              <a:ea typeface="나눔바른고딕" panose="020B0603020101020101" pitchFamily="50" charset="-127"/>
+            </a:endParaRPr>
+          </a:p>
+          <a:p>
+            <a:r>
+              <a:rPr lang="en-US" altLang="ko-KR" sz="1400" dirty="0">
+                <a:latin typeface="나눔바른고딕" panose="020B0603020101020101" pitchFamily="50" charset="-127"/>
+                <a:ea typeface="나눔바른고딕" panose="020B0603020101020101" pitchFamily="50" charset="-127"/>
+              </a:rPr>
+              <a:t>git clone /*repository*/</a:t>
+            </a:r>
+          </a:p>
+          <a:p>
+            <a:endParaRPr lang="en-US" altLang="ko-KR" sz="1400" dirty="0">
+              <a:latin typeface="나눔바른고딕" panose="020B0603020101020101" pitchFamily="50" charset="-127"/>
+              <a:ea typeface="나눔바른고딕" panose="020B0603020101020101" pitchFamily="50" charset="-127"/>
+            </a:endParaRPr>
+          </a:p>
+          <a:p>
+            <a:r>
+              <a:rPr lang="en-US" altLang="ko-KR" sz="1400" dirty="0">
+                <a:latin typeface="나눔바른고딕" panose="020B0603020101020101" pitchFamily="50" charset="-127"/>
+                <a:ea typeface="나눔바른고딕" panose="020B0603020101020101" pitchFamily="50" charset="-127"/>
+              </a:rPr>
+              <a:t>git add .</a:t>
+            </a:r>
+          </a:p>
+          <a:p>
+            <a:r>
+              <a:rPr lang="en-US" altLang="ko-KR" sz="1400" dirty="0">
+                <a:latin typeface="나눔바른고딕" panose="020B0603020101020101" pitchFamily="50" charset="-127"/>
+                <a:ea typeface="나눔바른고딕" panose="020B0603020101020101" pitchFamily="50" charset="-127"/>
+              </a:rPr>
+              <a:t>git commit –am “message”</a:t>
+            </a:r>
+          </a:p>
+          <a:p>
+            <a:r>
+              <a:rPr lang="en-US" altLang="ko-KR" sz="1400" dirty="0">
+                <a:latin typeface="나눔바른고딕" panose="020B0603020101020101" pitchFamily="50" charset="-127"/>
+                <a:ea typeface="나눔바른고딕" panose="020B0603020101020101" pitchFamily="50" charset="-127"/>
+              </a:rPr>
+              <a:t>git push </a:t>
+            </a:r>
+            <a:r>
+              <a:rPr lang="en-US" altLang="ko-KR" sz="1400" dirty="0" err="1">
+                <a:latin typeface="나눔바른고딕" panose="020B0603020101020101" pitchFamily="50" charset="-127"/>
+                <a:ea typeface="나눔바른고딕" panose="020B0603020101020101" pitchFamily="50" charset="-127"/>
+              </a:rPr>
+              <a:t>heroku</a:t>
+            </a:r>
+            <a:r>
+              <a:rPr lang="en-US" altLang="ko-KR" sz="1400" dirty="0">
+                <a:latin typeface="나눔바른고딕" panose="020B0603020101020101" pitchFamily="50" charset="-127"/>
+                <a:ea typeface="나눔바른고딕" panose="020B0603020101020101" pitchFamily="50" charset="-127"/>
+              </a:rPr>
+              <a:t> master</a:t>
+            </a:r>
+          </a:p>
+          <a:p>
+            <a:r>
+              <a:rPr lang="en-US" altLang="ko-KR" sz="1400" dirty="0">
+                <a:latin typeface="나눔바른고딕" panose="020B0603020101020101" pitchFamily="50" charset="-127"/>
+                <a:ea typeface="나눔바른고딕" panose="020B0603020101020101" pitchFamily="50" charset="-127"/>
+              </a:rPr>
+              <a:t>git pull </a:t>
+            </a:r>
+            <a:r>
+              <a:rPr lang="en-US" altLang="ko-KR" sz="1400" dirty="0" err="1">
+                <a:latin typeface="나눔바른고딕" panose="020B0603020101020101" pitchFamily="50" charset="-127"/>
+                <a:ea typeface="나눔바른고딕" panose="020B0603020101020101" pitchFamily="50" charset="-127"/>
+              </a:rPr>
+              <a:t>heroku</a:t>
+            </a:r>
+            <a:r>
+              <a:rPr lang="en-US" altLang="ko-KR" sz="1400" dirty="0">
+                <a:latin typeface="나눔바른고딕" panose="020B0603020101020101" pitchFamily="50" charset="-127"/>
+                <a:ea typeface="나눔바른고딕" panose="020B0603020101020101" pitchFamily="50" charset="-127"/>
+              </a:rPr>
+              <a:t> master</a:t>
+            </a:r>
+          </a:p>
+          <a:p>
+            <a:endParaRPr lang="en-US" altLang="ko-KR" sz="1400" dirty="0">
+              <a:latin typeface="나눔바른고딕" panose="020B0603020101020101" pitchFamily="50" charset="-127"/>
+              <a:ea typeface="나눔바른고딕" panose="020B0603020101020101" pitchFamily="50" charset="-127"/>
+            </a:endParaRPr>
+          </a:p>
+          <a:p>
+            <a:endParaRPr lang="en-US" altLang="ko-KR" sz="1400" dirty="0">
+              <a:latin typeface="나눔바른고딕" panose="020B0603020101020101" pitchFamily="50" charset="-127"/>
+              <a:ea typeface="나눔바른고딕" panose="020B0603020101020101" pitchFamily="50" charset="-127"/>
+            </a:endParaRPr>
+          </a:p>
+          <a:p>
+            <a:r>
+              <a:rPr lang="en-US" altLang="ko-KR" sz="1400" dirty="0">
+                <a:latin typeface="나눔바른고딕" panose="020B0603020101020101" pitchFamily="50" charset="-127"/>
+                <a:ea typeface="나눔바른고딕" panose="020B0603020101020101" pitchFamily="50" charset="-127"/>
+              </a:rPr>
+              <a:t>Heroku DB</a:t>
+            </a:r>
+          </a:p>
+          <a:p>
+            <a:endParaRPr lang="en-US" altLang="ko-KR" sz="1400" dirty="0">
+              <a:latin typeface="나눔바른고딕" panose="020B0603020101020101" pitchFamily="50" charset="-127"/>
+              <a:ea typeface="나눔바른고딕" panose="020B0603020101020101" pitchFamily="50" charset="-127"/>
+            </a:endParaRPr>
+          </a:p>
+          <a:p>
+            <a:r>
+              <a:rPr lang="en-US" altLang="ko-KR" sz="1400" dirty="0" err="1">
+                <a:latin typeface="나눔바른고딕" panose="020B0603020101020101" pitchFamily="50" charset="-127"/>
+                <a:ea typeface="나눔바른고딕" panose="020B0603020101020101" pitchFamily="50" charset="-127"/>
+              </a:rPr>
+              <a:t>heroku</a:t>
+            </a:r>
+            <a:r>
+              <a:rPr lang="en-US" altLang="ko-KR" sz="1400" dirty="0">
+                <a:latin typeface="나눔바른고딕" panose="020B0603020101020101" pitchFamily="50" charset="-127"/>
+                <a:ea typeface="나눔바른고딕" panose="020B0603020101020101" pitchFamily="50" charset="-127"/>
+              </a:rPr>
+              <a:t> rake </a:t>
+            </a:r>
+            <a:r>
+              <a:rPr lang="en-US" altLang="ko-KR" sz="1400" dirty="0" err="1">
+                <a:latin typeface="나눔바른고딕" panose="020B0603020101020101" pitchFamily="50" charset="-127"/>
+                <a:ea typeface="나눔바른고딕" panose="020B0603020101020101" pitchFamily="50" charset="-127"/>
+              </a:rPr>
+              <a:t>db:migrate</a:t>
+            </a:r>
+            <a:endParaRPr lang="en-US" altLang="ko-KR" sz="1400" dirty="0">
+              <a:latin typeface="나눔바른고딕" panose="020B0603020101020101" pitchFamily="50" charset="-127"/>
+              <a:ea typeface="나눔바른고딕" panose="020B0603020101020101" pitchFamily="50" charset="-127"/>
+            </a:endParaRPr>
+          </a:p>
+          <a:p>
+            <a:r>
+              <a:rPr lang="en-US" altLang="ko-KR" sz="1400" dirty="0" err="1">
+                <a:latin typeface="나눔바른고딕" panose="020B0603020101020101" pitchFamily="50" charset="-127"/>
+                <a:ea typeface="나눔바른고딕" panose="020B0603020101020101" pitchFamily="50" charset="-127"/>
+              </a:rPr>
+              <a:t>heroku</a:t>
+            </a:r>
+            <a:r>
+              <a:rPr lang="en-US" altLang="ko-KR" sz="1400" dirty="0">
+                <a:latin typeface="나눔바른고딕" panose="020B0603020101020101" pitchFamily="50" charset="-127"/>
+                <a:ea typeface="나눔바른고딕" panose="020B0603020101020101" pitchFamily="50" charset="-127"/>
+              </a:rPr>
+              <a:t> rake </a:t>
+            </a:r>
+            <a:r>
+              <a:rPr lang="en-US" altLang="ko-KR" sz="1400" dirty="0" err="1">
+                <a:latin typeface="나눔바른고딕" panose="020B0603020101020101" pitchFamily="50" charset="-127"/>
+                <a:ea typeface="나눔바른고딕" panose="020B0603020101020101" pitchFamily="50" charset="-127"/>
+              </a:rPr>
+              <a:t>db:drop</a:t>
+            </a:r>
+            <a:endParaRPr lang="en-US" altLang="ko-KR" sz="1400" dirty="0">
+              <a:latin typeface="나눔바른고딕" panose="020B0603020101020101" pitchFamily="50" charset="-127"/>
+              <a:ea typeface="나눔바른고딕" panose="020B0603020101020101" pitchFamily="50" charset="-127"/>
+            </a:endParaRPr>
+          </a:p>
+          <a:p>
+            <a:r>
+              <a:rPr lang="en-US" altLang="ko-KR" sz="1400" dirty="0" err="1">
+                <a:latin typeface="나눔바른고딕" panose="020B0603020101020101" pitchFamily="50" charset="-127"/>
+                <a:ea typeface="나눔바른고딕" panose="020B0603020101020101" pitchFamily="50" charset="-127"/>
+              </a:rPr>
+              <a:t>heroku</a:t>
+            </a:r>
+            <a:r>
+              <a:rPr lang="en-US" altLang="ko-KR" sz="1400" dirty="0">
+                <a:latin typeface="나눔바른고딕" panose="020B0603020101020101" pitchFamily="50" charset="-127"/>
+                <a:ea typeface="나눔바른고딕" panose="020B0603020101020101" pitchFamily="50" charset="-127"/>
+              </a:rPr>
+              <a:t> rake </a:t>
+            </a:r>
+            <a:r>
+              <a:rPr lang="en-US" altLang="ko-KR" sz="1400" dirty="0" err="1">
+                <a:latin typeface="나눔바른고딕" panose="020B0603020101020101" pitchFamily="50" charset="-127"/>
+                <a:ea typeface="나눔바른고딕" panose="020B0603020101020101" pitchFamily="50" charset="-127"/>
+              </a:rPr>
+              <a:t>db:seeds</a:t>
+            </a:r>
+            <a:endParaRPr lang="en-US" altLang="ko-KR" sz="1400" dirty="0">
+              <a:latin typeface="나눔바른고딕" panose="020B0603020101020101" pitchFamily="50" charset="-127"/>
+              <a:ea typeface="나눔바른고딕" panose="020B0603020101020101" pitchFamily="50" charset="-127"/>
+            </a:endParaRPr>
+          </a:p>
+        </p:txBody>
+      </p:sp>
+    </p:spTree>
+    <p:extLst>
+      <p:ext uri="{BB962C8B-B14F-4D97-AF65-F5344CB8AC3E}">
+        <p14:creationId xmlns:p14="http://schemas.microsoft.com/office/powerpoint/2010/main" val="410328364"/>
+      </p:ext>
+    </p:extLst>
+  </p:cSld>
+  <p:clrMapOvr>
+    <a:masterClrMapping/>
+  </p:clrMapOvr>
+</p:sld>
+</file>
+
+<file path=ppt/slides/slide6.xml><?xml version="1.0" encoding="utf-8"?>
+<p:sld xmlns:a="http://schemas.openxmlformats.org/drawingml/2006/main" xmlns:r="http://schemas.openxmlformats.org/officeDocument/2006/relationships" xmlns:p="http://schemas.openxmlformats.org/presentationml/2006/main">
+  <p:cSld>
+    <p:spTree>
+      <p:nvGrpSpPr>
+        <p:cNvPr id="1" name=""/>
+        <p:cNvGrpSpPr/>
+        <p:nvPr/>
+      </p:nvGrpSpPr>
+      <p:grpSpPr>
+        <a:xfrm>
+          <a:off x="0" y="0"/>
+          <a:ext cx="0" cy="0"/>
+          <a:chOff x="0" y="0"/>
+          <a:chExt cx="0" cy="0"/>
+        </a:xfrm>
+      </p:grpSpPr>
       <p:pic>
         <p:nvPicPr>
           <p:cNvPr id="6" name="그림 5">
@@ -8850,6 +9550,561 @@
     <p:extLst>
       <p:ext uri="{BB962C8B-B14F-4D97-AF65-F5344CB8AC3E}">
         <p14:creationId xmlns:p14="http://schemas.microsoft.com/office/powerpoint/2010/main" val="3841304202"/>
+      </p:ext>
+    </p:extLst>
+  </p:cSld>
+  <p:clrMapOvr>
+    <a:masterClrMapping/>
+  </p:clrMapOvr>
+</p:sld>
+</file>
+
+<file path=ppt/slides/slide7.xml><?xml version="1.0" encoding="utf-8"?>
+<p:sld xmlns:a="http://schemas.openxmlformats.org/drawingml/2006/main" xmlns:r="http://schemas.openxmlformats.org/officeDocument/2006/relationships" xmlns:p="http://schemas.openxmlformats.org/presentationml/2006/main">
+  <p:cSld>
+    <p:spTree>
+      <p:nvGrpSpPr>
+        <p:cNvPr id="1" name=""/>
+        <p:cNvGrpSpPr/>
+        <p:nvPr/>
+      </p:nvGrpSpPr>
+      <p:grpSpPr>
+        <a:xfrm>
+          <a:off x="0" y="0"/>
+          <a:ext cx="0" cy="0"/>
+          <a:chOff x="0" y="0"/>
+          <a:chExt cx="0" cy="0"/>
+        </a:xfrm>
+      </p:grpSpPr>
+      <p:sp>
+        <p:nvSpPr>
+          <p:cNvPr id="4" name="TextBox 3">
+            <a:extLst>
+              <a:ext uri="{FF2B5EF4-FFF2-40B4-BE49-F238E27FC236}">
+                <a16:creationId xmlns:a16="http://schemas.microsoft.com/office/drawing/2014/main" id="{7B78CF19-45F4-43C4-A679-5D619038EDD3}"/>
+              </a:ext>
+            </a:extLst>
+          </p:cNvPr>
+          <p:cNvSpPr txBox="1"/>
+          <p:nvPr/>
+        </p:nvSpPr>
+        <p:spPr>
+          <a:xfrm>
+            <a:off x="5362984" y="2305615"/>
+            <a:ext cx="5110887" cy="2246769"/>
+          </a:xfrm>
+          <a:prstGeom prst="rect">
+            <a:avLst/>
+          </a:prstGeom>
+          <a:noFill/>
+        </p:spPr>
+        <p:txBody>
+          <a:bodyPr wrap="square" rtlCol="0">
+            <a:spAutoFit/>
+          </a:bodyPr>
+          <a:lstStyle/>
+          <a:p>
+            <a:r>
+              <a:rPr lang="en-US" altLang="ko-KR" sz="1400" dirty="0">
+                <a:solidFill>
+                  <a:srgbClr val="FF0000"/>
+                </a:solidFill>
+                <a:latin typeface="나눔바른고딕" panose="020B0603020101020101" pitchFamily="50" charset="-127"/>
+                <a:ea typeface="나눔바른고딕" panose="020B0603020101020101" pitchFamily="50" charset="-127"/>
+              </a:rPr>
+              <a:t>SHA-512</a:t>
+            </a:r>
+          </a:p>
+          <a:p>
+            <a:endParaRPr lang="en-US" altLang="ko-KR" sz="1400" dirty="0">
+              <a:latin typeface="나눔바른고딕" panose="020B0603020101020101" pitchFamily="50" charset="-127"/>
+              <a:ea typeface="나눔바른고딕" panose="020B0603020101020101" pitchFamily="50" charset="-127"/>
+            </a:endParaRPr>
+          </a:p>
+          <a:p>
+            <a:r>
+              <a:rPr lang="en-US" altLang="ko-KR" sz="1400" dirty="0" err="1">
+                <a:latin typeface="나눔바른고딕" panose="020B0603020101020101" pitchFamily="50" charset="-127"/>
+                <a:ea typeface="나눔바른고딕" panose="020B0603020101020101" pitchFamily="50" charset="-127"/>
+              </a:rPr>
+              <a:t>Irb</a:t>
+            </a:r>
+            <a:r>
+              <a:rPr lang="ko-KR" altLang="en-US" sz="1400" dirty="0">
+                <a:latin typeface="나눔바른고딕" panose="020B0603020101020101" pitchFamily="50" charset="-127"/>
+                <a:ea typeface="나눔바른고딕" panose="020B0603020101020101" pitchFamily="50" charset="-127"/>
+              </a:rPr>
+              <a:t>에서 테스트한 내용인데</a:t>
+            </a:r>
+            <a:endParaRPr lang="en-US" altLang="ko-KR" sz="1400" dirty="0">
+              <a:latin typeface="나눔바른고딕" panose="020B0603020101020101" pitchFamily="50" charset="-127"/>
+              <a:ea typeface="나눔바른고딕" panose="020B0603020101020101" pitchFamily="50" charset="-127"/>
+            </a:endParaRPr>
+          </a:p>
+          <a:p>
+            <a:endParaRPr lang="en-US" altLang="ko-KR" sz="1400" dirty="0">
+              <a:latin typeface="나눔바른고딕" panose="020B0603020101020101" pitchFamily="50" charset="-127"/>
+              <a:ea typeface="나눔바른고딕" panose="020B0603020101020101" pitchFamily="50" charset="-127"/>
+            </a:endParaRPr>
+          </a:p>
+          <a:p>
+            <a:r>
+              <a:rPr lang="ko-KR" altLang="en-US" sz="1400" dirty="0">
+                <a:latin typeface="나눔바른고딕" panose="020B0603020101020101" pitchFamily="50" charset="-127"/>
+                <a:ea typeface="나눔바른고딕" panose="020B0603020101020101" pitchFamily="50" charset="-127"/>
+              </a:rPr>
+              <a:t>스트링 </a:t>
+            </a:r>
+            <a:r>
+              <a:rPr lang="en-US" altLang="ko-KR" sz="1400" dirty="0">
+                <a:latin typeface="나눔바른고딕" panose="020B0603020101020101" pitchFamily="50" charset="-127"/>
+                <a:ea typeface="나눔바른고딕" panose="020B0603020101020101" pitchFamily="50" charset="-127"/>
+              </a:rPr>
+              <a:t>“1234”</a:t>
+            </a:r>
+            <a:r>
+              <a:rPr lang="ko-KR" altLang="en-US" sz="1400" dirty="0">
+                <a:latin typeface="나눔바른고딕" panose="020B0603020101020101" pitchFamily="50" charset="-127"/>
+                <a:ea typeface="나눔바른고딕" panose="020B0603020101020101" pitchFamily="50" charset="-127"/>
+              </a:rPr>
+              <a:t>를</a:t>
+            </a:r>
+            <a:r>
+              <a:rPr lang="en-US" altLang="ko-KR" sz="1400" dirty="0">
+                <a:latin typeface="나눔바른고딕" panose="020B0603020101020101" pitchFamily="50" charset="-127"/>
+                <a:ea typeface="나눔바른고딕" panose="020B0603020101020101" pitchFamily="50" charset="-127"/>
+              </a:rPr>
+              <a:t> a</a:t>
+            </a:r>
+            <a:r>
+              <a:rPr lang="ko-KR" altLang="en-US" sz="1400" dirty="0">
+                <a:latin typeface="나눔바른고딕" panose="020B0603020101020101" pitchFamily="50" charset="-127"/>
+                <a:ea typeface="나눔바른고딕" panose="020B0603020101020101" pitchFamily="50" charset="-127"/>
+              </a:rPr>
+              <a:t>에 저장한 것</a:t>
+            </a:r>
+            <a:endParaRPr lang="en-US" altLang="ko-KR" sz="1400" dirty="0">
+              <a:latin typeface="나눔바른고딕" panose="020B0603020101020101" pitchFamily="50" charset="-127"/>
+              <a:ea typeface="나눔바른고딕" panose="020B0603020101020101" pitchFamily="50" charset="-127"/>
+            </a:endParaRPr>
+          </a:p>
+          <a:p>
+            <a:endParaRPr lang="en-US" altLang="ko-KR" sz="1400" dirty="0">
+              <a:latin typeface="나눔바른고딕" panose="020B0603020101020101" pitchFamily="50" charset="-127"/>
+              <a:ea typeface="나눔바른고딕" panose="020B0603020101020101" pitchFamily="50" charset="-127"/>
+            </a:endParaRPr>
+          </a:p>
+          <a:p>
+            <a:r>
+              <a:rPr lang="ko-KR" altLang="en-US" sz="1400" dirty="0">
+                <a:latin typeface="나눔바른고딕" panose="020B0603020101020101" pitchFamily="50" charset="-127"/>
+                <a:ea typeface="나눔바른고딕" panose="020B0603020101020101" pitchFamily="50" charset="-127"/>
+              </a:rPr>
+              <a:t>이 때 </a:t>
+            </a:r>
+            <a:r>
+              <a:rPr lang="ko-KR" altLang="en-US" sz="1400" dirty="0" err="1">
+                <a:latin typeface="나눔바른고딕" panose="020B0603020101020101" pitchFamily="50" charset="-127"/>
+                <a:ea typeface="나눔바른고딕" panose="020B0603020101020101" pitchFamily="50" charset="-127"/>
+              </a:rPr>
+              <a:t>좌항의</a:t>
+            </a:r>
+            <a:r>
+              <a:rPr lang="ko-KR" altLang="en-US" sz="1400" dirty="0">
+                <a:latin typeface="나눔바른고딕" panose="020B0603020101020101" pitchFamily="50" charset="-127"/>
+                <a:ea typeface="나눔바른고딕" panose="020B0603020101020101" pitchFamily="50" charset="-127"/>
+              </a:rPr>
+              <a:t> </a:t>
+            </a:r>
+            <a:r>
+              <a:rPr lang="en-US" altLang="ko-KR" sz="1400" dirty="0">
+                <a:latin typeface="나눔바른고딕" panose="020B0603020101020101" pitchFamily="50" charset="-127"/>
+                <a:ea typeface="나눔바른고딕" panose="020B0603020101020101" pitchFamily="50" charset="-127"/>
+              </a:rPr>
+              <a:t>new method</a:t>
+            </a:r>
+            <a:r>
+              <a:rPr lang="ko-KR" altLang="en-US" sz="1400" dirty="0">
+                <a:latin typeface="나눔바른고딕" panose="020B0603020101020101" pitchFamily="50" charset="-127"/>
+                <a:ea typeface="나눔바른고딕" panose="020B0603020101020101" pitchFamily="50" charset="-127"/>
+              </a:rPr>
+              <a:t>로 암호화했던 스트링을</a:t>
+            </a:r>
+            <a:endParaRPr lang="en-US" altLang="ko-KR" sz="1400" dirty="0">
+              <a:latin typeface="나눔바른고딕" panose="020B0603020101020101" pitchFamily="50" charset="-127"/>
+              <a:ea typeface="나눔바른고딕" panose="020B0603020101020101" pitchFamily="50" charset="-127"/>
+            </a:endParaRPr>
+          </a:p>
+          <a:p>
+            <a:r>
+              <a:rPr lang="ko-KR" altLang="en-US" sz="1400" dirty="0">
+                <a:latin typeface="나눔바른고딕" panose="020B0603020101020101" pitchFamily="50" charset="-127"/>
+                <a:ea typeface="나눔바른고딕" panose="020B0603020101020101" pitchFamily="50" charset="-127"/>
+              </a:rPr>
+              <a:t>또 다시 다른 암호화 방식으로 </a:t>
+            </a:r>
+            <a:r>
+              <a:rPr lang="ko-KR" altLang="en-US" sz="1400" dirty="0" err="1">
+                <a:latin typeface="나눔바른고딕" panose="020B0603020101020101" pitchFamily="50" charset="-127"/>
+                <a:ea typeface="나눔바른고딕" panose="020B0603020101020101" pitchFamily="50" charset="-127"/>
+              </a:rPr>
+              <a:t>복호화해서</a:t>
+            </a:r>
+            <a:r>
+              <a:rPr lang="ko-KR" altLang="en-US" sz="1400" dirty="0">
+                <a:latin typeface="나눔바른고딕" panose="020B0603020101020101" pitchFamily="50" charset="-127"/>
+                <a:ea typeface="나눔바른고딕" panose="020B0603020101020101" pitchFamily="50" charset="-127"/>
+              </a:rPr>
+              <a:t> </a:t>
+            </a:r>
+            <a:endParaRPr lang="en-US" altLang="ko-KR" sz="1400" dirty="0">
+              <a:latin typeface="나눔바른고딕" panose="020B0603020101020101" pitchFamily="50" charset="-127"/>
+              <a:ea typeface="나눔바른고딕" panose="020B0603020101020101" pitchFamily="50" charset="-127"/>
+            </a:endParaRPr>
+          </a:p>
+          <a:p>
+            <a:endParaRPr lang="en-US" altLang="ko-KR" sz="1400" dirty="0">
+              <a:latin typeface="나눔바른고딕" panose="020B0603020101020101" pitchFamily="50" charset="-127"/>
+              <a:ea typeface="나눔바른고딕" panose="020B0603020101020101" pitchFamily="50" charset="-127"/>
+            </a:endParaRPr>
+          </a:p>
+          <a:p>
+            <a:r>
+              <a:rPr lang="ko-KR" altLang="en-US" sz="1400" dirty="0" err="1">
+                <a:latin typeface="나눔바른고딕" panose="020B0603020101020101" pitchFamily="50" charset="-127"/>
+                <a:ea typeface="나눔바른고딕" panose="020B0603020101020101" pitchFamily="50" charset="-127"/>
+              </a:rPr>
+              <a:t>우항의</a:t>
+            </a:r>
+            <a:r>
+              <a:rPr lang="ko-KR" altLang="en-US" sz="1400" dirty="0">
+                <a:latin typeface="나눔바른고딕" panose="020B0603020101020101" pitchFamily="50" charset="-127"/>
+                <a:ea typeface="나눔바른고딕" panose="020B0603020101020101" pitchFamily="50" charset="-127"/>
+              </a:rPr>
+              <a:t> 이 전에 암호화했던 </a:t>
+            </a:r>
+            <a:r>
+              <a:rPr lang="ko-KR" altLang="en-US" sz="1400" dirty="0" err="1">
+                <a:latin typeface="나눔바른고딕" panose="020B0603020101020101" pitchFamily="50" charset="-127"/>
+                <a:ea typeface="나눔바른고딕" panose="020B0603020101020101" pitchFamily="50" charset="-127"/>
+              </a:rPr>
+              <a:t>스트링이랑</a:t>
+            </a:r>
+            <a:r>
+              <a:rPr lang="ko-KR" altLang="en-US" sz="1400" dirty="0">
+                <a:latin typeface="나눔바른고딕" panose="020B0603020101020101" pitchFamily="50" charset="-127"/>
+                <a:ea typeface="나눔바른고딕" panose="020B0603020101020101" pitchFamily="50" charset="-127"/>
+              </a:rPr>
+              <a:t> 또 다시 비교</a:t>
+            </a:r>
+            <a:endParaRPr lang="en-US" altLang="ko-KR" sz="1400" dirty="0">
+              <a:latin typeface="나눔바른고딕" panose="020B0603020101020101" pitchFamily="50" charset="-127"/>
+              <a:ea typeface="나눔바른고딕" panose="020B0603020101020101" pitchFamily="50" charset="-127"/>
+            </a:endParaRPr>
+          </a:p>
+        </p:txBody>
+      </p:sp>
+      <p:sp>
+        <p:nvSpPr>
+          <p:cNvPr id="5" name="TextBox 4">
+            <a:extLst>
+              <a:ext uri="{FF2B5EF4-FFF2-40B4-BE49-F238E27FC236}">
+                <a16:creationId xmlns:a16="http://schemas.microsoft.com/office/drawing/2014/main" id="{F570486B-281C-4781-98BA-404553CA6074}"/>
+              </a:ext>
+            </a:extLst>
+          </p:cNvPr>
+          <p:cNvSpPr txBox="1"/>
+          <p:nvPr/>
+        </p:nvSpPr>
+        <p:spPr>
+          <a:xfrm>
+            <a:off x="688931" y="751562"/>
+            <a:ext cx="3920647" cy="369332"/>
+          </a:xfrm>
+          <a:prstGeom prst="rect">
+            <a:avLst/>
+          </a:prstGeom>
+          <a:noFill/>
+        </p:spPr>
+        <p:txBody>
+          <a:bodyPr wrap="square" rtlCol="0">
+            <a:spAutoFit/>
+          </a:bodyPr>
+          <a:lstStyle/>
+          <a:p>
+            <a:r>
+              <a:rPr lang="en-US" altLang="ko-KR" dirty="0">
+                <a:latin typeface="나눔바른고딕" panose="020B0603020101020101" pitchFamily="50" charset="-127"/>
+                <a:ea typeface="나눔바른고딕" panose="020B0603020101020101" pitchFamily="50" charset="-127"/>
+              </a:rPr>
+              <a:t>Password</a:t>
+            </a:r>
+            <a:r>
+              <a:rPr lang="ko-KR" altLang="en-US" dirty="0">
+                <a:latin typeface="나눔바른고딕" panose="020B0603020101020101" pitchFamily="50" charset="-127"/>
+                <a:ea typeface="나눔바른고딕" panose="020B0603020101020101" pitchFamily="50" charset="-127"/>
+              </a:rPr>
+              <a:t> 암호화</a:t>
+            </a:r>
+          </a:p>
+        </p:txBody>
+      </p:sp>
+      <p:pic>
+        <p:nvPicPr>
+          <p:cNvPr id="2" name="그림 1">
+            <a:extLst>
+              <a:ext uri="{FF2B5EF4-FFF2-40B4-BE49-F238E27FC236}">
+                <a16:creationId xmlns:a16="http://schemas.microsoft.com/office/drawing/2014/main" id="{9F15E04D-9939-4B33-98E4-430A83CEE637}"/>
+              </a:ext>
+            </a:extLst>
+          </p:cNvPr>
+          <p:cNvPicPr>
+            <a:picLocks noChangeAspect="1"/>
+          </p:cNvPicPr>
+          <p:nvPr/>
+        </p:nvPicPr>
+        <p:blipFill>
+          <a:blip r:embed="rId2"/>
+          <a:stretch>
+            <a:fillRect/>
+          </a:stretch>
+        </p:blipFill>
+        <p:spPr>
+          <a:xfrm>
+            <a:off x="688931" y="2919411"/>
+            <a:ext cx="4324350" cy="1019175"/>
+          </a:xfrm>
+          <a:prstGeom prst="rect">
+            <a:avLst/>
+          </a:prstGeom>
+        </p:spPr>
+      </p:pic>
+    </p:spTree>
+    <p:extLst>
+      <p:ext uri="{BB962C8B-B14F-4D97-AF65-F5344CB8AC3E}">
+        <p14:creationId xmlns:p14="http://schemas.microsoft.com/office/powerpoint/2010/main" val="3479408912"/>
+      </p:ext>
+    </p:extLst>
+  </p:cSld>
+  <p:clrMapOvr>
+    <a:masterClrMapping/>
+  </p:clrMapOvr>
+</p:sld>
+</file>
+
+<file path=ppt/slides/slide8.xml><?xml version="1.0" encoding="utf-8"?>
+<p:sld xmlns:a="http://schemas.openxmlformats.org/drawingml/2006/main" xmlns:r="http://schemas.openxmlformats.org/officeDocument/2006/relationships" xmlns:p="http://schemas.openxmlformats.org/presentationml/2006/main">
+  <p:cSld>
+    <p:spTree>
+      <p:nvGrpSpPr>
+        <p:cNvPr id="1" name=""/>
+        <p:cNvGrpSpPr/>
+        <p:nvPr/>
+      </p:nvGrpSpPr>
+      <p:grpSpPr>
+        <a:xfrm>
+          <a:off x="0" y="0"/>
+          <a:ext cx="0" cy="0"/>
+          <a:chOff x="0" y="0"/>
+          <a:chExt cx="0" cy="0"/>
+        </a:xfrm>
+      </p:grpSpPr>
+      <p:sp>
+        <p:nvSpPr>
+          <p:cNvPr id="4" name="TextBox 3">
+            <a:extLst>
+              <a:ext uri="{FF2B5EF4-FFF2-40B4-BE49-F238E27FC236}">
+                <a16:creationId xmlns:a16="http://schemas.microsoft.com/office/drawing/2014/main" id="{7B78CF19-45F4-43C4-A679-5D619038EDD3}"/>
+              </a:ext>
+            </a:extLst>
+          </p:cNvPr>
+          <p:cNvSpPr txBox="1"/>
+          <p:nvPr/>
+        </p:nvSpPr>
+        <p:spPr>
+          <a:xfrm>
+            <a:off x="688931" y="1474895"/>
+            <a:ext cx="4492669" cy="954107"/>
+          </a:xfrm>
+          <a:prstGeom prst="rect">
+            <a:avLst/>
+          </a:prstGeom>
+          <a:noFill/>
+        </p:spPr>
+        <p:txBody>
+          <a:bodyPr wrap="square" rtlCol="0">
+            <a:spAutoFit/>
+          </a:bodyPr>
+          <a:lstStyle/>
+          <a:p>
+            <a:r>
+              <a:rPr lang="ko-KR" altLang="en-US" sz="1400" dirty="0">
+                <a:latin typeface="나눔바른고딕" panose="020B0603020101020101" pitchFamily="50" charset="-127"/>
+                <a:ea typeface="나눔바른고딕" panose="020B0603020101020101" pitchFamily="50" charset="-127"/>
+              </a:rPr>
+              <a:t>준비사항</a:t>
+            </a:r>
+            <a:r>
+              <a:rPr lang="en-US" altLang="ko-KR" sz="1400" dirty="0">
+                <a:latin typeface="나눔바른고딕" panose="020B0603020101020101" pitchFamily="50" charset="-127"/>
+                <a:ea typeface="나눔바른고딕" panose="020B0603020101020101" pitchFamily="50" charset="-127"/>
+              </a:rPr>
+              <a:t>_</a:t>
+            </a:r>
+          </a:p>
+          <a:p>
+            <a:endParaRPr lang="en-US" altLang="ko-KR" sz="1400" dirty="0">
+              <a:latin typeface="나눔바른고딕" panose="020B0603020101020101" pitchFamily="50" charset="-127"/>
+              <a:ea typeface="나눔바른고딕" panose="020B0603020101020101" pitchFamily="50" charset="-127"/>
+            </a:endParaRPr>
+          </a:p>
+          <a:p>
+            <a:r>
+              <a:rPr lang="en-US" altLang="ko-KR" sz="1400" dirty="0">
+                <a:latin typeface="나눔바른고딕" panose="020B0603020101020101" pitchFamily="50" charset="-127"/>
+                <a:ea typeface="나눔바른고딕" panose="020B0603020101020101" pitchFamily="50" charset="-127"/>
+              </a:rPr>
+              <a:t>Server</a:t>
+            </a:r>
+            <a:r>
+              <a:rPr lang="ko-KR" altLang="en-US" sz="1400" dirty="0">
+                <a:latin typeface="나눔바른고딕" panose="020B0603020101020101" pitchFamily="50" charset="-127"/>
+                <a:ea typeface="나눔바른고딕" panose="020B0603020101020101" pitchFamily="50" charset="-127"/>
+              </a:rPr>
+              <a:t>의 </a:t>
+            </a:r>
+            <a:r>
+              <a:rPr lang="en-US" altLang="ko-KR" sz="1400" dirty="0">
+                <a:latin typeface="나눔바른고딕" panose="020B0603020101020101" pitchFamily="50" charset="-127"/>
+                <a:ea typeface="나눔바른고딕" panose="020B0603020101020101" pitchFamily="50" charset="-127"/>
+              </a:rPr>
+              <a:t>ruby </a:t>
+            </a:r>
+            <a:r>
+              <a:rPr lang="en-US" altLang="ko-KR" sz="1400" dirty="0" err="1">
+                <a:latin typeface="나눔바른고딕" panose="020B0603020101020101" pitchFamily="50" charset="-127"/>
+                <a:ea typeface="나눔바른고딕" panose="020B0603020101020101" pitchFamily="50" charset="-127"/>
+              </a:rPr>
+              <a:t>controller.rb</a:t>
+            </a:r>
+            <a:r>
+              <a:rPr lang="en-US" altLang="ko-KR" sz="1400" dirty="0">
+                <a:latin typeface="나눔바른고딕" panose="020B0603020101020101" pitchFamily="50" charset="-127"/>
+                <a:ea typeface="나눔바른고딕" panose="020B0603020101020101" pitchFamily="50" charset="-127"/>
+              </a:rPr>
+              <a:t> </a:t>
+            </a:r>
+            <a:r>
+              <a:rPr lang="ko-KR" altLang="en-US" sz="1400" dirty="0">
+                <a:latin typeface="나눔바른고딕" panose="020B0603020101020101" pitchFamily="50" charset="-127"/>
+                <a:ea typeface="나눔바른고딕" panose="020B0603020101020101" pitchFamily="50" charset="-127"/>
+              </a:rPr>
+              <a:t>실행</a:t>
+            </a:r>
+            <a:endParaRPr lang="en-US" altLang="ko-KR" sz="1400" dirty="0">
+              <a:latin typeface="나눔바른고딕" panose="020B0603020101020101" pitchFamily="50" charset="-127"/>
+              <a:ea typeface="나눔바른고딕" panose="020B0603020101020101" pitchFamily="50" charset="-127"/>
+            </a:endParaRPr>
+          </a:p>
+          <a:p>
+            <a:r>
+              <a:rPr lang="en-US" altLang="ko-KR" sz="1400" dirty="0">
+                <a:latin typeface="나눔바른고딕" panose="020B0603020101020101" pitchFamily="50" charset="-127"/>
+                <a:ea typeface="나눔바른고딕" panose="020B0603020101020101" pitchFamily="50" charset="-127"/>
+              </a:rPr>
+              <a:t>Fuse</a:t>
+            </a:r>
+            <a:r>
+              <a:rPr lang="ko-KR" altLang="en-US" sz="1400" dirty="0">
+                <a:latin typeface="나눔바른고딕" panose="020B0603020101020101" pitchFamily="50" charset="-127"/>
+                <a:ea typeface="나눔바른고딕" panose="020B0603020101020101" pitchFamily="50" charset="-127"/>
+              </a:rPr>
+              <a:t> </a:t>
+            </a:r>
+            <a:r>
+              <a:rPr lang="en-US" altLang="ko-KR" sz="1400" dirty="0">
+                <a:latin typeface="나눔바른고딕" panose="020B0603020101020101" pitchFamily="50" charset="-127"/>
+                <a:ea typeface="나눔바른고딕" panose="020B0603020101020101" pitchFamily="50" charset="-127"/>
+              </a:rPr>
+              <a:t>Project</a:t>
+            </a:r>
+            <a:r>
+              <a:rPr lang="ko-KR" altLang="en-US" sz="1400" dirty="0">
+                <a:latin typeface="나눔바른고딕" panose="020B0603020101020101" pitchFamily="50" charset="-127"/>
+                <a:ea typeface="나눔바른고딕" panose="020B0603020101020101" pitchFamily="50" charset="-127"/>
+              </a:rPr>
+              <a:t>파일 다운받아서 </a:t>
+            </a:r>
+            <a:r>
+              <a:rPr lang="en-US" altLang="ko-KR" sz="1400" dirty="0">
+                <a:latin typeface="나눔바른고딕" panose="020B0603020101020101" pitchFamily="50" charset="-127"/>
+                <a:ea typeface="나눔바른고딕" panose="020B0603020101020101" pitchFamily="50" charset="-127"/>
+              </a:rPr>
+              <a:t>FUSE </a:t>
+            </a:r>
+            <a:r>
+              <a:rPr lang="ko-KR" altLang="en-US" sz="1400" dirty="0">
+                <a:latin typeface="나눔바른고딕" panose="020B0603020101020101" pitchFamily="50" charset="-127"/>
+                <a:ea typeface="나눔바른고딕" panose="020B0603020101020101" pitchFamily="50" charset="-127"/>
+              </a:rPr>
+              <a:t>프로그램 실행</a:t>
+            </a:r>
+            <a:endParaRPr lang="en-US" altLang="ko-KR" sz="1400" dirty="0">
+              <a:latin typeface="나눔바른고딕" panose="020B0603020101020101" pitchFamily="50" charset="-127"/>
+              <a:ea typeface="나눔바른고딕" panose="020B0603020101020101" pitchFamily="50" charset="-127"/>
+            </a:endParaRPr>
+          </a:p>
+        </p:txBody>
+      </p:sp>
+      <p:sp>
+        <p:nvSpPr>
+          <p:cNvPr id="5" name="TextBox 4">
+            <a:extLst>
+              <a:ext uri="{FF2B5EF4-FFF2-40B4-BE49-F238E27FC236}">
+                <a16:creationId xmlns:a16="http://schemas.microsoft.com/office/drawing/2014/main" id="{F570486B-281C-4781-98BA-404553CA6074}"/>
+              </a:ext>
+            </a:extLst>
+          </p:cNvPr>
+          <p:cNvSpPr txBox="1"/>
+          <p:nvPr/>
+        </p:nvSpPr>
+        <p:spPr>
+          <a:xfrm>
+            <a:off x="688931" y="751562"/>
+            <a:ext cx="3920647" cy="369332"/>
+          </a:xfrm>
+          <a:prstGeom prst="rect">
+            <a:avLst/>
+          </a:prstGeom>
+          <a:noFill/>
+        </p:spPr>
+        <p:txBody>
+          <a:bodyPr wrap="square" rtlCol="0">
+            <a:spAutoFit/>
+          </a:bodyPr>
+          <a:lstStyle/>
+          <a:p>
+            <a:r>
+              <a:rPr lang="en-US" altLang="ko-KR" dirty="0">
+                <a:latin typeface="나눔바른고딕" panose="020B0603020101020101" pitchFamily="50" charset="-127"/>
+                <a:ea typeface="나눔바른고딕" panose="020B0603020101020101" pitchFamily="50" charset="-127"/>
+              </a:rPr>
+              <a:t>Fuse </a:t>
+            </a:r>
+            <a:r>
+              <a:rPr lang="ko-KR" altLang="en-US" dirty="0">
+                <a:latin typeface="나눔바른고딕" panose="020B0603020101020101" pitchFamily="50" charset="-127"/>
+                <a:ea typeface="나눔바른고딕" panose="020B0603020101020101" pitchFamily="50" charset="-127"/>
+              </a:rPr>
+              <a:t>동작방법</a:t>
+            </a:r>
+          </a:p>
+        </p:txBody>
+      </p:sp>
+    </p:spTree>
+    <p:extLst>
+      <p:ext uri="{BB962C8B-B14F-4D97-AF65-F5344CB8AC3E}">
+        <p14:creationId xmlns:p14="http://schemas.microsoft.com/office/powerpoint/2010/main" val="4206535273"/>
       </p:ext>
     </p:extLst>
   </p:cSld>

--- a/Docs/Dev_Guide.pptx
+++ b/Docs/Dev_Guide.pptx
@@ -915,7 +915,7 @@
           <a:p>
             <a:fld id="{64A83A75-31F0-44BD-96A9-C410E7FB9017}" type="datetimeFigureOut">
               <a:rPr lang="ko-KR" altLang="en-US" smtClean="0"/>
-              <a:t>2018-11-24</a:t>
+              <a:t>2018-11-25</a:t>
             </a:fld>
             <a:endParaRPr lang="ko-KR" altLang="en-US"/>
           </a:p>
@@ -1113,7 +1113,7 @@
           <a:p>
             <a:fld id="{64A83A75-31F0-44BD-96A9-C410E7FB9017}" type="datetimeFigureOut">
               <a:rPr lang="ko-KR" altLang="en-US" smtClean="0"/>
-              <a:t>2018-11-24</a:t>
+              <a:t>2018-11-25</a:t>
             </a:fld>
             <a:endParaRPr lang="ko-KR" altLang="en-US"/>
           </a:p>
@@ -1321,7 +1321,7 @@
           <a:p>
             <a:fld id="{64A83A75-31F0-44BD-96A9-C410E7FB9017}" type="datetimeFigureOut">
               <a:rPr lang="ko-KR" altLang="en-US" smtClean="0"/>
-              <a:t>2018-11-24</a:t>
+              <a:t>2018-11-25</a:t>
             </a:fld>
             <a:endParaRPr lang="ko-KR" altLang="en-US"/>
           </a:p>
@@ -1519,7 +1519,7 @@
           <a:p>
             <a:fld id="{64A83A75-31F0-44BD-96A9-C410E7FB9017}" type="datetimeFigureOut">
               <a:rPr lang="ko-KR" altLang="en-US" smtClean="0"/>
-              <a:t>2018-11-24</a:t>
+              <a:t>2018-11-25</a:t>
             </a:fld>
             <a:endParaRPr lang="ko-KR" altLang="en-US"/>
           </a:p>
@@ -1794,7 +1794,7 @@
           <a:p>
             <a:fld id="{64A83A75-31F0-44BD-96A9-C410E7FB9017}" type="datetimeFigureOut">
               <a:rPr lang="ko-KR" altLang="en-US" smtClean="0"/>
-              <a:t>2018-11-24</a:t>
+              <a:t>2018-11-25</a:t>
             </a:fld>
             <a:endParaRPr lang="ko-KR" altLang="en-US"/>
           </a:p>
@@ -2059,7 +2059,7 @@
           <a:p>
             <a:fld id="{64A83A75-31F0-44BD-96A9-C410E7FB9017}" type="datetimeFigureOut">
               <a:rPr lang="ko-KR" altLang="en-US" smtClean="0"/>
-              <a:t>2018-11-24</a:t>
+              <a:t>2018-11-25</a:t>
             </a:fld>
             <a:endParaRPr lang="ko-KR" altLang="en-US"/>
           </a:p>
@@ -2471,7 +2471,7 @@
           <a:p>
             <a:fld id="{64A83A75-31F0-44BD-96A9-C410E7FB9017}" type="datetimeFigureOut">
               <a:rPr lang="ko-KR" altLang="en-US" smtClean="0"/>
-              <a:t>2018-11-24</a:t>
+              <a:t>2018-11-25</a:t>
             </a:fld>
             <a:endParaRPr lang="ko-KR" altLang="en-US"/>
           </a:p>
@@ -2612,7 +2612,7 @@
           <a:p>
             <a:fld id="{64A83A75-31F0-44BD-96A9-C410E7FB9017}" type="datetimeFigureOut">
               <a:rPr lang="ko-KR" altLang="en-US" smtClean="0"/>
-              <a:t>2018-11-24</a:t>
+              <a:t>2018-11-25</a:t>
             </a:fld>
             <a:endParaRPr lang="ko-KR" altLang="en-US"/>
           </a:p>
@@ -2725,7 +2725,7 @@
           <a:p>
             <a:fld id="{64A83A75-31F0-44BD-96A9-C410E7FB9017}" type="datetimeFigureOut">
               <a:rPr lang="ko-KR" altLang="en-US" smtClean="0"/>
-              <a:t>2018-11-24</a:t>
+              <a:t>2018-11-25</a:t>
             </a:fld>
             <a:endParaRPr lang="ko-KR" altLang="en-US"/>
           </a:p>
@@ -3036,7 +3036,7 @@
           <a:p>
             <a:fld id="{64A83A75-31F0-44BD-96A9-C410E7FB9017}" type="datetimeFigureOut">
               <a:rPr lang="ko-KR" altLang="en-US" smtClean="0"/>
-              <a:t>2018-11-24</a:t>
+              <a:t>2018-11-25</a:t>
             </a:fld>
             <a:endParaRPr lang="ko-KR" altLang="en-US"/>
           </a:p>
@@ -3324,7 +3324,7 @@
           <a:p>
             <a:fld id="{64A83A75-31F0-44BD-96A9-C410E7FB9017}" type="datetimeFigureOut">
               <a:rPr lang="ko-KR" altLang="en-US" smtClean="0"/>
-              <a:t>2018-11-24</a:t>
+              <a:t>2018-11-25</a:t>
             </a:fld>
             <a:endParaRPr lang="ko-KR" altLang="en-US"/>
           </a:p>
@@ -3565,7 +3565,7 @@
           <a:p>
             <a:fld id="{64A83A75-31F0-44BD-96A9-C410E7FB9017}" type="datetimeFigureOut">
               <a:rPr lang="ko-KR" altLang="en-US" smtClean="0"/>
-              <a:t>2018-11-24</a:t>
+              <a:t>2018-11-25</a:t>
             </a:fld>
             <a:endParaRPr lang="ko-KR" altLang="en-US"/>
           </a:p>
@@ -6705,28 +6705,16 @@
                 <a:latin typeface="나눔바른고딕" panose="020B0603020101020101" pitchFamily="50" charset="-127"/>
                 <a:ea typeface="나눔바른고딕" panose="020B0603020101020101" pitchFamily="50" charset="-127"/>
               </a:rPr>
-              <a:t>Heroku : </a:t>
-            </a:r>
-            <a:r>
-              <a:rPr lang="en-US" altLang="ko-KR" sz="1400" dirty="0">
-                <a:latin typeface="나눔바른고딕" panose="020B0603020101020101" pitchFamily="50" charset="-127"/>
-                <a:ea typeface="나눔바른고딕" panose="020B0603020101020101" pitchFamily="50" charset="-127"/>
-                <a:hlinkClick r:id="rId4"/>
-              </a:rPr>
-              <a:t>https://git.heroku.com/arcane-gorge-90774.git</a:t>
-            </a:r>
-            <a:endParaRPr lang="en-US" altLang="ko-KR" sz="1400" dirty="0">
-              <a:latin typeface="나눔바른고딕" panose="020B0603020101020101" pitchFamily="50" charset="-127"/>
-              <a:ea typeface="나눔바른고딕" panose="020B0603020101020101" pitchFamily="50" charset="-127"/>
-            </a:endParaRPr>
-          </a:p>
-          <a:p>
-            <a:r>
-              <a:rPr lang="en-US" altLang="ko-KR" sz="1400" dirty="0">
-                <a:latin typeface="나눔바른고딕" panose="020B0603020101020101" pitchFamily="50" charset="-127"/>
-                <a:ea typeface="나눔바른고딕" panose="020B0603020101020101" pitchFamily="50" charset="-127"/>
-              </a:rPr>
-              <a:t>            Heroku app : https://arcane-gorge-90774.herokuapp.com</a:t>
+              <a:t>Heroku : https://git.heroku.com/enigmatic-basin-24745.git</a:t>
+            </a:r>
+          </a:p>
+          <a:p>
+            <a:r>
+              <a:rPr lang="en-US" altLang="ko-KR" sz="1400" dirty="0">
+                <a:latin typeface="나눔바른고딕" panose="020B0603020101020101" pitchFamily="50" charset="-127"/>
+                <a:ea typeface="나눔바른고딕" panose="020B0603020101020101" pitchFamily="50" charset="-127"/>
+              </a:rPr>
+              <a:t>            Heroku app : https://enigmatic-basin-24745.herokuapp.com/</a:t>
             </a:r>
           </a:p>
         </p:txBody>
